--- a/Presentation1.pptx
+++ b/Presentation1.pptx
@@ -7,14 +7,14 @@
   <p:sldIdLst>
     <p:sldId id="258" r:id="rId2"/>
   </p:sldIdLst>
-  <p:sldSz cx="12192000" cy="6858000"/>
+  <p:sldSz cx="24377650" cy="13716000"/>
   <p:notesSz cx="6858000" cy="9144000"/>
   <p:defaultTextStyle>
     <a:defPPr>
       <a:defRPr lang="en-US"/>
     </a:defPPr>
-    <a:lvl1pPr marL="0" algn="l" defTabSz="914400" rtl="0" eaLnBrk="1" latinLnBrk="0" hangingPunct="1">
-      <a:defRPr sz="1800" kern="1200">
+    <a:lvl1pPr marL="0" algn="l" defTabSz="1828434" rtl="0" eaLnBrk="1" latinLnBrk="0" hangingPunct="1">
+      <a:defRPr sz="3600" kern="1200">
         <a:solidFill>
           <a:schemeClr val="tx1"/>
         </a:solidFill>
@@ -23,8 +23,8 @@
         <a:cs typeface="+mn-cs"/>
       </a:defRPr>
     </a:lvl1pPr>
-    <a:lvl2pPr marL="457200" algn="l" defTabSz="914400" rtl="0" eaLnBrk="1" latinLnBrk="0" hangingPunct="1">
-      <a:defRPr sz="1800" kern="1200">
+    <a:lvl2pPr marL="914217" algn="l" defTabSz="1828434" rtl="0" eaLnBrk="1" latinLnBrk="0" hangingPunct="1">
+      <a:defRPr sz="3600" kern="1200">
         <a:solidFill>
           <a:schemeClr val="tx1"/>
         </a:solidFill>
@@ -33,8 +33,8 @@
         <a:cs typeface="+mn-cs"/>
       </a:defRPr>
     </a:lvl2pPr>
-    <a:lvl3pPr marL="914400" algn="l" defTabSz="914400" rtl="0" eaLnBrk="1" latinLnBrk="0" hangingPunct="1">
-      <a:defRPr sz="1800" kern="1200">
+    <a:lvl3pPr marL="1828434" algn="l" defTabSz="1828434" rtl="0" eaLnBrk="1" latinLnBrk="0" hangingPunct="1">
+      <a:defRPr sz="3600" kern="1200">
         <a:solidFill>
           <a:schemeClr val="tx1"/>
         </a:solidFill>
@@ -43,8 +43,8 @@
         <a:cs typeface="+mn-cs"/>
       </a:defRPr>
     </a:lvl3pPr>
-    <a:lvl4pPr marL="1371600" algn="l" defTabSz="914400" rtl="0" eaLnBrk="1" latinLnBrk="0" hangingPunct="1">
-      <a:defRPr sz="1800" kern="1200">
+    <a:lvl4pPr marL="2742651" algn="l" defTabSz="1828434" rtl="0" eaLnBrk="1" latinLnBrk="0" hangingPunct="1">
+      <a:defRPr sz="3600" kern="1200">
         <a:solidFill>
           <a:schemeClr val="tx1"/>
         </a:solidFill>
@@ -53,8 +53,8 @@
         <a:cs typeface="+mn-cs"/>
       </a:defRPr>
     </a:lvl4pPr>
-    <a:lvl5pPr marL="1828800" algn="l" defTabSz="914400" rtl="0" eaLnBrk="1" latinLnBrk="0" hangingPunct="1">
-      <a:defRPr sz="1800" kern="1200">
+    <a:lvl5pPr marL="3656868" algn="l" defTabSz="1828434" rtl="0" eaLnBrk="1" latinLnBrk="0" hangingPunct="1">
+      <a:defRPr sz="3600" kern="1200">
         <a:solidFill>
           <a:schemeClr val="tx1"/>
         </a:solidFill>
@@ -63,8 +63,8 @@
         <a:cs typeface="+mn-cs"/>
       </a:defRPr>
     </a:lvl5pPr>
-    <a:lvl6pPr marL="2286000" algn="l" defTabSz="914400" rtl="0" eaLnBrk="1" latinLnBrk="0" hangingPunct="1">
-      <a:defRPr sz="1800" kern="1200">
+    <a:lvl6pPr marL="4571086" algn="l" defTabSz="1828434" rtl="0" eaLnBrk="1" latinLnBrk="0" hangingPunct="1">
+      <a:defRPr sz="3600" kern="1200">
         <a:solidFill>
           <a:schemeClr val="tx1"/>
         </a:solidFill>
@@ -73,8 +73,8 @@
         <a:cs typeface="+mn-cs"/>
       </a:defRPr>
     </a:lvl6pPr>
-    <a:lvl7pPr marL="2743200" algn="l" defTabSz="914400" rtl="0" eaLnBrk="1" latinLnBrk="0" hangingPunct="1">
-      <a:defRPr sz="1800" kern="1200">
+    <a:lvl7pPr marL="5485303" algn="l" defTabSz="1828434" rtl="0" eaLnBrk="1" latinLnBrk="0" hangingPunct="1">
+      <a:defRPr sz="3600" kern="1200">
         <a:solidFill>
           <a:schemeClr val="tx1"/>
         </a:solidFill>
@@ -83,8 +83,8 @@
         <a:cs typeface="+mn-cs"/>
       </a:defRPr>
     </a:lvl7pPr>
-    <a:lvl8pPr marL="3200400" algn="l" defTabSz="914400" rtl="0" eaLnBrk="1" latinLnBrk="0" hangingPunct="1">
-      <a:defRPr sz="1800" kern="1200">
+    <a:lvl8pPr marL="6399520" algn="l" defTabSz="1828434" rtl="0" eaLnBrk="1" latinLnBrk="0" hangingPunct="1">
+      <a:defRPr sz="3600" kern="1200">
         <a:solidFill>
           <a:schemeClr val="tx1"/>
         </a:solidFill>
@@ -93,8 +93,8 @@
         <a:cs typeface="+mn-cs"/>
       </a:defRPr>
     </a:lvl8pPr>
-    <a:lvl9pPr marL="3657600" algn="l" defTabSz="914400" rtl="0" eaLnBrk="1" latinLnBrk="0" hangingPunct="1">
-      <a:defRPr sz="1800" kern="1200">
+    <a:lvl9pPr marL="7313737" algn="l" defTabSz="1828434" rtl="0" eaLnBrk="1" latinLnBrk="0" hangingPunct="1">
+      <a:defRPr sz="3600" kern="1200">
         <a:solidFill>
           <a:schemeClr val="tx1"/>
         </a:solidFill>
@@ -136,15 +136,15 @@
         </p:nvSpPr>
         <p:spPr>
           <a:xfrm>
-            <a:off x="1524000" y="1122363"/>
-            <a:ext cx="9144000" cy="2387600"/>
+            <a:off x="3047206" y="2244726"/>
+            <a:ext cx="18283238" cy="4775200"/>
           </a:xfrm>
         </p:spPr>
         <p:txBody>
           <a:bodyPr anchor="b"/>
           <a:lstStyle>
             <a:lvl1pPr algn="ctr">
-              <a:defRPr sz="6000"/>
+              <a:defRPr sz="12000"/>
             </a:lvl1pPr>
           </a:lstStyle>
           <a:p>
@@ -168,8 +168,8 @@
         </p:nvSpPr>
         <p:spPr>
           <a:xfrm>
-            <a:off x="1524000" y="3602038"/>
-            <a:ext cx="9144000" cy="1655762"/>
+            <a:off x="3047206" y="7204076"/>
+            <a:ext cx="18283238" cy="3311524"/>
           </a:xfrm>
         </p:spPr>
         <p:txBody>
@@ -177,39 +177,39 @@
           <a:lstStyle>
             <a:lvl1pPr marL="0" indent="0" algn="ctr">
               <a:buNone/>
-              <a:defRPr sz="2400"/>
+              <a:defRPr sz="4800"/>
             </a:lvl1pPr>
-            <a:lvl2pPr marL="457200" indent="0" algn="ctr">
-              <a:buNone/>
-              <a:defRPr sz="2000"/>
+            <a:lvl2pPr marL="914217" indent="0" algn="ctr">
+              <a:buNone/>
+              <a:defRPr sz="4000"/>
             </a:lvl2pPr>
-            <a:lvl3pPr marL="914400" indent="0" algn="ctr">
-              <a:buNone/>
-              <a:defRPr sz="1800"/>
+            <a:lvl3pPr marL="1828434" indent="0" algn="ctr">
+              <a:buNone/>
+              <a:defRPr sz="3600"/>
             </a:lvl3pPr>
-            <a:lvl4pPr marL="1371600" indent="0" algn="ctr">
-              <a:buNone/>
-              <a:defRPr sz="1600"/>
+            <a:lvl4pPr marL="2742651" indent="0" algn="ctr">
+              <a:buNone/>
+              <a:defRPr sz="3200"/>
             </a:lvl4pPr>
-            <a:lvl5pPr marL="1828800" indent="0" algn="ctr">
-              <a:buNone/>
-              <a:defRPr sz="1600"/>
+            <a:lvl5pPr marL="3656868" indent="0" algn="ctr">
+              <a:buNone/>
+              <a:defRPr sz="3200"/>
             </a:lvl5pPr>
-            <a:lvl6pPr marL="2286000" indent="0" algn="ctr">
-              <a:buNone/>
-              <a:defRPr sz="1600"/>
+            <a:lvl6pPr marL="4571086" indent="0" algn="ctr">
+              <a:buNone/>
+              <a:defRPr sz="3200"/>
             </a:lvl6pPr>
-            <a:lvl7pPr marL="2743200" indent="0" algn="ctr">
-              <a:buNone/>
-              <a:defRPr sz="1600"/>
+            <a:lvl7pPr marL="5485303" indent="0" algn="ctr">
+              <a:buNone/>
+              <a:defRPr sz="3200"/>
             </a:lvl7pPr>
-            <a:lvl8pPr marL="3200400" indent="0" algn="ctr">
-              <a:buNone/>
-              <a:defRPr sz="1600"/>
+            <a:lvl8pPr marL="6399520" indent="0" algn="ctr">
+              <a:buNone/>
+              <a:defRPr sz="3200"/>
             </a:lvl8pPr>
-            <a:lvl9pPr marL="3657600" indent="0" algn="ctr">
-              <a:buNone/>
-              <a:defRPr sz="1600"/>
+            <a:lvl9pPr marL="7313737" indent="0" algn="ctr">
+              <a:buNone/>
+              <a:defRPr sz="3200"/>
             </a:lvl9pPr>
           </a:lstStyle>
           <a:p>
@@ -498,8 +498,8 @@
         </p:nvSpPr>
         <p:spPr>
           <a:xfrm>
-            <a:off x="8724900" y="365125"/>
-            <a:ext cx="2628900" cy="5811838"/>
+            <a:off x="17445254" y="730250"/>
+            <a:ext cx="5256431" cy="11623676"/>
           </a:xfrm>
         </p:spPr>
         <p:txBody>
@@ -526,8 +526,8 @@
         </p:nvSpPr>
         <p:spPr>
           <a:xfrm>
-            <a:off x="838200" y="365125"/>
-            <a:ext cx="7734300" cy="5811838"/>
+            <a:off x="1675961" y="730250"/>
+            <a:ext cx="15464572" cy="11623676"/>
           </a:xfrm>
         </p:spPr>
         <p:txBody>
@@ -848,15 +848,15 @@
         </p:nvSpPr>
         <p:spPr>
           <a:xfrm>
-            <a:off x="831850" y="1709738"/>
-            <a:ext cx="10515600" cy="2852737"/>
+            <a:off x="1663271" y="3419477"/>
+            <a:ext cx="21025723" cy="5705474"/>
           </a:xfrm>
         </p:spPr>
         <p:txBody>
           <a:bodyPr anchor="b"/>
           <a:lstStyle>
             <a:lvl1pPr>
-              <a:defRPr sz="6000"/>
+              <a:defRPr sz="12000"/>
             </a:lvl1pPr>
           </a:lstStyle>
           <a:p>
@@ -880,8 +880,8 @@
         </p:nvSpPr>
         <p:spPr>
           <a:xfrm>
-            <a:off x="831850" y="4589463"/>
-            <a:ext cx="10515600" cy="1500187"/>
+            <a:off x="1663271" y="9178929"/>
+            <a:ext cx="21025723" cy="3000374"/>
           </a:xfrm>
         </p:spPr>
         <p:txBody>
@@ -889,7 +889,7 @@
           <a:lstStyle>
             <a:lvl1pPr marL="0" indent="0">
               <a:buNone/>
-              <a:defRPr sz="2400">
+              <a:defRPr sz="4800">
                 <a:solidFill>
                   <a:schemeClr val="tx1">
                     <a:tint val="75000"/>
@@ -897,9 +897,9 @@
                 </a:solidFill>
               </a:defRPr>
             </a:lvl1pPr>
-            <a:lvl2pPr marL="457200" indent="0">
-              <a:buNone/>
-              <a:defRPr sz="2000">
+            <a:lvl2pPr marL="914217" indent="0">
+              <a:buNone/>
+              <a:defRPr sz="4000">
                 <a:solidFill>
                   <a:schemeClr val="tx1">
                     <a:tint val="75000"/>
@@ -907,9 +907,9 @@
                 </a:solidFill>
               </a:defRPr>
             </a:lvl2pPr>
-            <a:lvl3pPr marL="914400" indent="0">
-              <a:buNone/>
-              <a:defRPr sz="1800">
+            <a:lvl3pPr marL="1828434" indent="0">
+              <a:buNone/>
+              <a:defRPr sz="3600">
                 <a:solidFill>
                   <a:schemeClr val="tx1">
                     <a:tint val="75000"/>
@@ -917,9 +917,9 @@
                 </a:solidFill>
               </a:defRPr>
             </a:lvl3pPr>
-            <a:lvl4pPr marL="1371600" indent="0">
-              <a:buNone/>
-              <a:defRPr sz="1600">
+            <a:lvl4pPr marL="2742651" indent="0">
+              <a:buNone/>
+              <a:defRPr sz="3200">
                 <a:solidFill>
                   <a:schemeClr val="tx1">
                     <a:tint val="75000"/>
@@ -927,9 +927,9 @@
                 </a:solidFill>
               </a:defRPr>
             </a:lvl4pPr>
-            <a:lvl5pPr marL="1828800" indent="0">
-              <a:buNone/>
-              <a:defRPr sz="1600">
+            <a:lvl5pPr marL="3656868" indent="0">
+              <a:buNone/>
+              <a:defRPr sz="3200">
                 <a:solidFill>
                   <a:schemeClr val="tx1">
                     <a:tint val="75000"/>
@@ -937,9 +937,9 @@
                 </a:solidFill>
               </a:defRPr>
             </a:lvl5pPr>
-            <a:lvl6pPr marL="2286000" indent="0">
-              <a:buNone/>
-              <a:defRPr sz="1600">
+            <a:lvl6pPr marL="4571086" indent="0">
+              <a:buNone/>
+              <a:defRPr sz="3200">
                 <a:solidFill>
                   <a:schemeClr val="tx1">
                     <a:tint val="75000"/>
@@ -947,9 +947,9 @@
                 </a:solidFill>
               </a:defRPr>
             </a:lvl6pPr>
-            <a:lvl7pPr marL="2743200" indent="0">
-              <a:buNone/>
-              <a:defRPr sz="1600">
+            <a:lvl7pPr marL="5485303" indent="0">
+              <a:buNone/>
+              <a:defRPr sz="3200">
                 <a:solidFill>
                   <a:schemeClr val="tx1">
                     <a:tint val="75000"/>
@@ -957,9 +957,9 @@
                 </a:solidFill>
               </a:defRPr>
             </a:lvl7pPr>
-            <a:lvl8pPr marL="3200400" indent="0">
-              <a:buNone/>
-              <a:defRPr sz="1600">
+            <a:lvl8pPr marL="6399520" indent="0">
+              <a:buNone/>
+              <a:defRPr sz="3200">
                 <a:solidFill>
                   <a:schemeClr val="tx1">
                     <a:tint val="75000"/>
@@ -967,9 +967,9 @@
                 </a:solidFill>
               </a:defRPr>
             </a:lvl8pPr>
-            <a:lvl9pPr marL="3657600" indent="0">
-              <a:buNone/>
-              <a:defRPr sz="1600">
+            <a:lvl9pPr marL="7313737" indent="0">
+              <a:buNone/>
+              <a:defRPr sz="3200">
                 <a:solidFill>
                   <a:schemeClr val="tx1">
                     <a:tint val="75000"/>
@@ -1117,8 +1117,8 @@
         </p:nvSpPr>
         <p:spPr>
           <a:xfrm>
-            <a:off x="838200" y="1825625"/>
-            <a:ext cx="5181600" cy="4351338"/>
+            <a:off x="1675966" y="3651250"/>
+            <a:ext cx="10360501" cy="8702676"/>
           </a:xfrm>
         </p:spPr>
         <p:txBody>
@@ -1174,8 +1174,8 @@
         </p:nvSpPr>
         <p:spPr>
           <a:xfrm>
-            <a:off x="6172200" y="1825625"/>
-            <a:ext cx="5181600" cy="4351338"/>
+            <a:off x="12341187" y="3651250"/>
+            <a:ext cx="10360501" cy="8702676"/>
           </a:xfrm>
         </p:spPr>
         <p:txBody>
@@ -1326,8 +1326,8 @@
         </p:nvSpPr>
         <p:spPr>
           <a:xfrm>
-            <a:off x="839788" y="365125"/>
-            <a:ext cx="10515600" cy="1325563"/>
+            <a:off x="1679141" y="730251"/>
+            <a:ext cx="21025723" cy="2651126"/>
           </a:xfrm>
         </p:spPr>
         <p:txBody>
@@ -1354,8 +1354,8 @@
         </p:nvSpPr>
         <p:spPr>
           <a:xfrm>
-            <a:off x="839788" y="1681163"/>
-            <a:ext cx="5157787" cy="823912"/>
+            <a:off x="1679141" y="3362326"/>
+            <a:ext cx="10312888" cy="1647824"/>
           </a:xfrm>
         </p:spPr>
         <p:txBody>
@@ -1363,39 +1363,39 @@
           <a:lstStyle>
             <a:lvl1pPr marL="0" indent="0">
               <a:buNone/>
-              <a:defRPr sz="2400" b="1"/>
+              <a:defRPr sz="4800" b="1"/>
             </a:lvl1pPr>
-            <a:lvl2pPr marL="457200" indent="0">
-              <a:buNone/>
-              <a:defRPr sz="2000" b="1"/>
+            <a:lvl2pPr marL="914217" indent="0">
+              <a:buNone/>
+              <a:defRPr sz="4000" b="1"/>
             </a:lvl2pPr>
-            <a:lvl3pPr marL="914400" indent="0">
-              <a:buNone/>
-              <a:defRPr sz="1800" b="1"/>
+            <a:lvl3pPr marL="1828434" indent="0">
+              <a:buNone/>
+              <a:defRPr sz="3600" b="1"/>
             </a:lvl3pPr>
-            <a:lvl4pPr marL="1371600" indent="0">
-              <a:buNone/>
-              <a:defRPr sz="1600" b="1"/>
+            <a:lvl4pPr marL="2742651" indent="0">
+              <a:buNone/>
+              <a:defRPr sz="3200" b="1"/>
             </a:lvl4pPr>
-            <a:lvl5pPr marL="1828800" indent="0">
-              <a:buNone/>
-              <a:defRPr sz="1600" b="1"/>
+            <a:lvl5pPr marL="3656868" indent="0">
+              <a:buNone/>
+              <a:defRPr sz="3200" b="1"/>
             </a:lvl5pPr>
-            <a:lvl6pPr marL="2286000" indent="0">
-              <a:buNone/>
-              <a:defRPr sz="1600" b="1"/>
+            <a:lvl6pPr marL="4571086" indent="0">
+              <a:buNone/>
+              <a:defRPr sz="3200" b="1"/>
             </a:lvl6pPr>
-            <a:lvl7pPr marL="2743200" indent="0">
-              <a:buNone/>
-              <a:defRPr sz="1600" b="1"/>
+            <a:lvl7pPr marL="5485303" indent="0">
+              <a:buNone/>
+              <a:defRPr sz="3200" b="1"/>
             </a:lvl7pPr>
-            <a:lvl8pPr marL="3200400" indent="0">
-              <a:buNone/>
-              <a:defRPr sz="1600" b="1"/>
+            <a:lvl8pPr marL="6399520" indent="0">
+              <a:buNone/>
+              <a:defRPr sz="3200" b="1"/>
             </a:lvl8pPr>
-            <a:lvl9pPr marL="3657600" indent="0">
-              <a:buNone/>
-              <a:defRPr sz="1600" b="1"/>
+            <a:lvl9pPr marL="7313737" indent="0">
+              <a:buNone/>
+              <a:defRPr sz="3200" b="1"/>
             </a:lvl9pPr>
           </a:lstStyle>
           <a:p>
@@ -1419,8 +1419,8 @@
         </p:nvSpPr>
         <p:spPr>
           <a:xfrm>
-            <a:off x="839788" y="2505075"/>
-            <a:ext cx="5157787" cy="3684588"/>
+            <a:off x="1679141" y="5010152"/>
+            <a:ext cx="10312888" cy="7369176"/>
           </a:xfrm>
         </p:spPr>
         <p:txBody>
@@ -1476,8 +1476,8 @@
         </p:nvSpPr>
         <p:spPr>
           <a:xfrm>
-            <a:off x="6172200" y="1681163"/>
-            <a:ext cx="5183188" cy="823912"/>
+            <a:off x="12341190" y="3362326"/>
+            <a:ext cx="10363676" cy="1647824"/>
           </a:xfrm>
         </p:spPr>
         <p:txBody>
@@ -1485,39 +1485,39 @@
           <a:lstStyle>
             <a:lvl1pPr marL="0" indent="0">
               <a:buNone/>
-              <a:defRPr sz="2400" b="1"/>
+              <a:defRPr sz="4800" b="1"/>
             </a:lvl1pPr>
-            <a:lvl2pPr marL="457200" indent="0">
-              <a:buNone/>
-              <a:defRPr sz="2000" b="1"/>
+            <a:lvl2pPr marL="914217" indent="0">
+              <a:buNone/>
+              <a:defRPr sz="4000" b="1"/>
             </a:lvl2pPr>
-            <a:lvl3pPr marL="914400" indent="0">
-              <a:buNone/>
-              <a:defRPr sz="1800" b="1"/>
+            <a:lvl3pPr marL="1828434" indent="0">
+              <a:buNone/>
+              <a:defRPr sz="3600" b="1"/>
             </a:lvl3pPr>
-            <a:lvl4pPr marL="1371600" indent="0">
-              <a:buNone/>
-              <a:defRPr sz="1600" b="1"/>
+            <a:lvl4pPr marL="2742651" indent="0">
+              <a:buNone/>
+              <a:defRPr sz="3200" b="1"/>
             </a:lvl4pPr>
-            <a:lvl5pPr marL="1828800" indent="0">
-              <a:buNone/>
-              <a:defRPr sz="1600" b="1"/>
+            <a:lvl5pPr marL="3656868" indent="0">
+              <a:buNone/>
+              <a:defRPr sz="3200" b="1"/>
             </a:lvl5pPr>
-            <a:lvl6pPr marL="2286000" indent="0">
-              <a:buNone/>
-              <a:defRPr sz="1600" b="1"/>
+            <a:lvl6pPr marL="4571086" indent="0">
+              <a:buNone/>
+              <a:defRPr sz="3200" b="1"/>
             </a:lvl6pPr>
-            <a:lvl7pPr marL="2743200" indent="0">
-              <a:buNone/>
-              <a:defRPr sz="1600" b="1"/>
+            <a:lvl7pPr marL="5485303" indent="0">
+              <a:buNone/>
+              <a:defRPr sz="3200" b="1"/>
             </a:lvl7pPr>
-            <a:lvl8pPr marL="3200400" indent="0">
-              <a:buNone/>
-              <a:defRPr sz="1600" b="1"/>
+            <a:lvl8pPr marL="6399520" indent="0">
+              <a:buNone/>
+              <a:defRPr sz="3200" b="1"/>
             </a:lvl8pPr>
-            <a:lvl9pPr marL="3657600" indent="0">
-              <a:buNone/>
-              <a:defRPr sz="1600" b="1"/>
+            <a:lvl9pPr marL="7313737" indent="0">
+              <a:buNone/>
+              <a:defRPr sz="3200" b="1"/>
             </a:lvl9pPr>
           </a:lstStyle>
           <a:p>
@@ -1541,8 +1541,8 @@
         </p:nvSpPr>
         <p:spPr>
           <a:xfrm>
-            <a:off x="6172200" y="2505075"/>
-            <a:ext cx="5183188" cy="3684588"/>
+            <a:off x="12341190" y="5010152"/>
+            <a:ext cx="10363676" cy="7369176"/>
           </a:xfrm>
         </p:spPr>
         <p:txBody>
@@ -1906,165 +1906,165 @@
         </p:nvSpPr>
         <p:spPr>
           <a:xfrm>
-            <a:off x="839788" y="457200"/>
-            <a:ext cx="3932237" cy="1600200"/>
+            <a:off x="1679143" y="914400"/>
+            <a:ext cx="7862424" cy="3200400"/>
           </a:xfrm>
         </p:spPr>
         <p:txBody>
           <a:bodyPr anchor="b"/>
           <a:lstStyle>
             <a:lvl1pPr>
+              <a:defRPr sz="6400"/>
+            </a:lvl1pPr>
+          </a:lstStyle>
+          <a:p>
+            <a:r>
+              <a:rPr lang="en-US" smtClean="0"/>
+              <a:t>Click to edit Master title style</a:t>
+            </a:r>
+            <a:endParaRPr lang="en-US"/>
+          </a:p>
+        </p:txBody>
+      </p:sp>
+      <p:sp>
+        <p:nvSpPr>
+          <p:cNvPr id="3" name="Content Placeholder 2"/>
+          <p:cNvSpPr>
+            <a:spLocks noGrp="1"/>
+          </p:cNvSpPr>
+          <p:nvPr>
+            <p:ph idx="1"/>
+          </p:nvPr>
+        </p:nvSpPr>
+        <p:spPr>
+          <a:xfrm>
+            <a:off x="10363678" y="1974851"/>
+            <a:ext cx="12341187" cy="9747250"/>
+          </a:xfrm>
+        </p:spPr>
+        <p:txBody>
+          <a:bodyPr/>
+          <a:lstStyle>
+            <a:lvl1pPr>
+              <a:defRPr sz="6400"/>
+            </a:lvl1pPr>
+            <a:lvl2pPr>
+              <a:defRPr sz="5600"/>
+            </a:lvl2pPr>
+            <a:lvl3pPr>
+              <a:defRPr sz="4800"/>
+            </a:lvl3pPr>
+            <a:lvl4pPr>
+              <a:defRPr sz="4000"/>
+            </a:lvl4pPr>
+            <a:lvl5pPr>
+              <a:defRPr sz="4000"/>
+            </a:lvl5pPr>
+            <a:lvl6pPr>
+              <a:defRPr sz="4000"/>
+            </a:lvl6pPr>
+            <a:lvl7pPr>
+              <a:defRPr sz="4000"/>
+            </a:lvl7pPr>
+            <a:lvl8pPr>
+              <a:defRPr sz="4000"/>
+            </a:lvl8pPr>
+            <a:lvl9pPr>
+              <a:defRPr sz="4000"/>
+            </a:lvl9pPr>
+          </a:lstStyle>
+          <a:p>
+            <a:pPr lvl="0"/>
+            <a:r>
+              <a:rPr lang="en-US" smtClean="0"/>
+              <a:t>Edit Master text styles</a:t>
+            </a:r>
+          </a:p>
+          <a:p>
+            <a:pPr lvl="1"/>
+            <a:r>
+              <a:rPr lang="en-US" smtClean="0"/>
+              <a:t>Second level</a:t>
+            </a:r>
+          </a:p>
+          <a:p>
+            <a:pPr lvl="2"/>
+            <a:r>
+              <a:rPr lang="en-US" smtClean="0"/>
+              <a:t>Third level</a:t>
+            </a:r>
+          </a:p>
+          <a:p>
+            <a:pPr lvl="3"/>
+            <a:r>
+              <a:rPr lang="en-US" smtClean="0"/>
+              <a:t>Fourth level</a:t>
+            </a:r>
+          </a:p>
+          <a:p>
+            <a:pPr lvl="4"/>
+            <a:r>
+              <a:rPr lang="en-US" smtClean="0"/>
+              <a:t>Fifth level</a:t>
+            </a:r>
+            <a:endParaRPr lang="en-US"/>
+          </a:p>
+        </p:txBody>
+      </p:sp>
+      <p:sp>
+        <p:nvSpPr>
+          <p:cNvPr id="4" name="Text Placeholder 3"/>
+          <p:cNvSpPr>
+            <a:spLocks noGrp="1"/>
+          </p:cNvSpPr>
+          <p:nvPr>
+            <p:ph type="body" sz="half" idx="2"/>
+          </p:nvPr>
+        </p:nvSpPr>
+        <p:spPr>
+          <a:xfrm>
+            <a:off x="1679143" y="4114800"/>
+            <a:ext cx="7862424" cy="7623176"/>
+          </a:xfrm>
+        </p:spPr>
+        <p:txBody>
+          <a:bodyPr/>
+          <a:lstStyle>
+            <a:lvl1pPr marL="0" indent="0">
+              <a:buNone/>
               <a:defRPr sz="3200"/>
             </a:lvl1pPr>
-          </a:lstStyle>
-          <a:p>
-            <a:r>
-              <a:rPr lang="en-US" smtClean="0"/>
-              <a:t>Click to edit Master title style</a:t>
-            </a:r>
-            <a:endParaRPr lang="en-US"/>
-          </a:p>
-        </p:txBody>
-      </p:sp>
-      <p:sp>
-        <p:nvSpPr>
-          <p:cNvPr id="3" name="Content Placeholder 2"/>
-          <p:cNvSpPr>
-            <a:spLocks noGrp="1"/>
-          </p:cNvSpPr>
-          <p:nvPr>
-            <p:ph idx="1"/>
-          </p:nvPr>
-        </p:nvSpPr>
-        <p:spPr>
-          <a:xfrm>
-            <a:off x="5183188" y="987425"/>
-            <a:ext cx="6172200" cy="4873625"/>
-          </a:xfrm>
-        </p:spPr>
-        <p:txBody>
-          <a:bodyPr/>
-          <a:lstStyle>
-            <a:lvl1pPr>
-              <a:defRPr sz="3200"/>
-            </a:lvl1pPr>
-            <a:lvl2pPr>
+            <a:lvl2pPr marL="914217" indent="0">
+              <a:buNone/>
               <a:defRPr sz="2800"/>
             </a:lvl2pPr>
-            <a:lvl3pPr>
+            <a:lvl3pPr marL="1828434" indent="0">
+              <a:buNone/>
               <a:defRPr sz="2400"/>
             </a:lvl3pPr>
-            <a:lvl4pPr>
+            <a:lvl4pPr marL="2742651" indent="0">
+              <a:buNone/>
               <a:defRPr sz="2000"/>
             </a:lvl4pPr>
-            <a:lvl5pPr>
+            <a:lvl5pPr marL="3656868" indent="0">
+              <a:buNone/>
               <a:defRPr sz="2000"/>
             </a:lvl5pPr>
-            <a:lvl6pPr>
+            <a:lvl6pPr marL="4571086" indent="0">
+              <a:buNone/>
               <a:defRPr sz="2000"/>
             </a:lvl6pPr>
-            <a:lvl7pPr>
+            <a:lvl7pPr marL="5485303" indent="0">
+              <a:buNone/>
               <a:defRPr sz="2000"/>
             </a:lvl7pPr>
-            <a:lvl8pPr>
+            <a:lvl8pPr marL="6399520" indent="0">
+              <a:buNone/>
               <a:defRPr sz="2000"/>
             </a:lvl8pPr>
-            <a:lvl9pPr>
+            <a:lvl9pPr marL="7313737" indent="0">
+              <a:buNone/>
               <a:defRPr sz="2000"/>
-            </a:lvl9pPr>
-          </a:lstStyle>
-          <a:p>
-            <a:pPr lvl="0"/>
-            <a:r>
-              <a:rPr lang="en-US" smtClean="0"/>
-              <a:t>Edit Master text styles</a:t>
-            </a:r>
-          </a:p>
-          <a:p>
-            <a:pPr lvl="1"/>
-            <a:r>
-              <a:rPr lang="en-US" smtClean="0"/>
-              <a:t>Second level</a:t>
-            </a:r>
-          </a:p>
-          <a:p>
-            <a:pPr lvl="2"/>
-            <a:r>
-              <a:rPr lang="en-US" smtClean="0"/>
-              <a:t>Third level</a:t>
-            </a:r>
-          </a:p>
-          <a:p>
-            <a:pPr lvl="3"/>
-            <a:r>
-              <a:rPr lang="en-US" smtClean="0"/>
-              <a:t>Fourth level</a:t>
-            </a:r>
-          </a:p>
-          <a:p>
-            <a:pPr lvl="4"/>
-            <a:r>
-              <a:rPr lang="en-US" smtClean="0"/>
-              <a:t>Fifth level</a:t>
-            </a:r>
-            <a:endParaRPr lang="en-US"/>
-          </a:p>
-        </p:txBody>
-      </p:sp>
-      <p:sp>
-        <p:nvSpPr>
-          <p:cNvPr id="4" name="Text Placeholder 3"/>
-          <p:cNvSpPr>
-            <a:spLocks noGrp="1"/>
-          </p:cNvSpPr>
-          <p:nvPr>
-            <p:ph type="body" sz="half" idx="2"/>
-          </p:nvPr>
-        </p:nvSpPr>
-        <p:spPr>
-          <a:xfrm>
-            <a:off x="839788" y="2057400"/>
-            <a:ext cx="3932237" cy="3811588"/>
-          </a:xfrm>
-        </p:spPr>
-        <p:txBody>
-          <a:bodyPr/>
-          <a:lstStyle>
-            <a:lvl1pPr marL="0" indent="0">
-              <a:buNone/>
-              <a:defRPr sz="1600"/>
-            </a:lvl1pPr>
-            <a:lvl2pPr marL="457200" indent="0">
-              <a:buNone/>
-              <a:defRPr sz="1400"/>
-            </a:lvl2pPr>
-            <a:lvl3pPr marL="914400" indent="0">
-              <a:buNone/>
-              <a:defRPr sz="1200"/>
-            </a:lvl3pPr>
-            <a:lvl4pPr marL="1371600" indent="0">
-              <a:buNone/>
-              <a:defRPr sz="1000"/>
-            </a:lvl4pPr>
-            <a:lvl5pPr marL="1828800" indent="0">
-              <a:buNone/>
-              <a:defRPr sz="1000"/>
-            </a:lvl5pPr>
-            <a:lvl6pPr marL="2286000" indent="0">
-              <a:buNone/>
-              <a:defRPr sz="1000"/>
-            </a:lvl6pPr>
-            <a:lvl7pPr marL="2743200" indent="0">
-              <a:buNone/>
-              <a:defRPr sz="1000"/>
-            </a:lvl7pPr>
-            <a:lvl8pPr marL="3200400" indent="0">
-              <a:buNone/>
-              <a:defRPr sz="1000"/>
-            </a:lvl8pPr>
-            <a:lvl9pPr marL="3657600" indent="0">
-              <a:buNone/>
-              <a:defRPr sz="1000"/>
             </a:lvl9pPr>
           </a:lstStyle>
           <a:p>
@@ -2183,141 +2183,141 @@
         </p:nvSpPr>
         <p:spPr>
           <a:xfrm>
-            <a:off x="839788" y="457200"/>
-            <a:ext cx="3932237" cy="1600200"/>
+            <a:off x="1679143" y="914400"/>
+            <a:ext cx="7862424" cy="3200400"/>
           </a:xfrm>
         </p:spPr>
         <p:txBody>
           <a:bodyPr anchor="b"/>
           <a:lstStyle>
             <a:lvl1pPr>
+              <a:defRPr sz="6400"/>
+            </a:lvl1pPr>
+          </a:lstStyle>
+          <a:p>
+            <a:r>
+              <a:rPr lang="en-US" smtClean="0"/>
+              <a:t>Click to edit Master title style</a:t>
+            </a:r>
+            <a:endParaRPr lang="en-US"/>
+          </a:p>
+        </p:txBody>
+      </p:sp>
+      <p:sp>
+        <p:nvSpPr>
+          <p:cNvPr id="3" name="Picture Placeholder 2"/>
+          <p:cNvSpPr>
+            <a:spLocks noGrp="1"/>
+          </p:cNvSpPr>
+          <p:nvPr>
+            <p:ph type="pic" idx="1"/>
+          </p:nvPr>
+        </p:nvSpPr>
+        <p:spPr>
+          <a:xfrm>
+            <a:off x="10363678" y="1974851"/>
+            <a:ext cx="12341187" cy="9747250"/>
+          </a:xfrm>
+        </p:spPr>
+        <p:txBody>
+          <a:bodyPr/>
+          <a:lstStyle>
+            <a:lvl1pPr marL="0" indent="0">
+              <a:buNone/>
+              <a:defRPr sz="6400"/>
+            </a:lvl1pPr>
+            <a:lvl2pPr marL="914217" indent="0">
+              <a:buNone/>
+              <a:defRPr sz="5600"/>
+            </a:lvl2pPr>
+            <a:lvl3pPr marL="1828434" indent="0">
+              <a:buNone/>
+              <a:defRPr sz="4800"/>
+            </a:lvl3pPr>
+            <a:lvl4pPr marL="2742651" indent="0">
+              <a:buNone/>
+              <a:defRPr sz="4000"/>
+            </a:lvl4pPr>
+            <a:lvl5pPr marL="3656868" indent="0">
+              <a:buNone/>
+              <a:defRPr sz="4000"/>
+            </a:lvl5pPr>
+            <a:lvl6pPr marL="4571086" indent="0">
+              <a:buNone/>
+              <a:defRPr sz="4000"/>
+            </a:lvl6pPr>
+            <a:lvl7pPr marL="5485303" indent="0">
+              <a:buNone/>
+              <a:defRPr sz="4000"/>
+            </a:lvl7pPr>
+            <a:lvl8pPr marL="6399520" indent="0">
+              <a:buNone/>
+              <a:defRPr sz="4000"/>
+            </a:lvl8pPr>
+            <a:lvl9pPr marL="7313737" indent="0">
+              <a:buNone/>
+              <a:defRPr sz="4000"/>
+            </a:lvl9pPr>
+          </a:lstStyle>
+          <a:p>
+            <a:endParaRPr lang="en-US"/>
+          </a:p>
+        </p:txBody>
+      </p:sp>
+      <p:sp>
+        <p:nvSpPr>
+          <p:cNvPr id="4" name="Text Placeholder 3"/>
+          <p:cNvSpPr>
+            <a:spLocks noGrp="1"/>
+          </p:cNvSpPr>
+          <p:nvPr>
+            <p:ph type="body" sz="half" idx="2"/>
+          </p:nvPr>
+        </p:nvSpPr>
+        <p:spPr>
+          <a:xfrm>
+            <a:off x="1679143" y="4114800"/>
+            <a:ext cx="7862424" cy="7623176"/>
+          </a:xfrm>
+        </p:spPr>
+        <p:txBody>
+          <a:bodyPr/>
+          <a:lstStyle>
+            <a:lvl1pPr marL="0" indent="0">
+              <a:buNone/>
               <a:defRPr sz="3200"/>
             </a:lvl1pPr>
-          </a:lstStyle>
-          <a:p>
-            <a:r>
-              <a:rPr lang="en-US" smtClean="0"/>
-              <a:t>Click to edit Master title style</a:t>
-            </a:r>
-            <a:endParaRPr lang="en-US"/>
-          </a:p>
-        </p:txBody>
-      </p:sp>
-      <p:sp>
-        <p:nvSpPr>
-          <p:cNvPr id="3" name="Picture Placeholder 2"/>
-          <p:cNvSpPr>
-            <a:spLocks noGrp="1"/>
-          </p:cNvSpPr>
-          <p:nvPr>
-            <p:ph type="pic" idx="1"/>
-          </p:nvPr>
-        </p:nvSpPr>
-        <p:spPr>
-          <a:xfrm>
-            <a:off x="5183188" y="987425"/>
-            <a:ext cx="6172200" cy="4873625"/>
-          </a:xfrm>
-        </p:spPr>
-        <p:txBody>
-          <a:bodyPr/>
-          <a:lstStyle>
-            <a:lvl1pPr marL="0" indent="0">
-              <a:buNone/>
-              <a:defRPr sz="3200"/>
-            </a:lvl1pPr>
-            <a:lvl2pPr marL="457200" indent="0">
+            <a:lvl2pPr marL="914217" indent="0">
               <a:buNone/>
               <a:defRPr sz="2800"/>
             </a:lvl2pPr>
-            <a:lvl3pPr marL="914400" indent="0">
+            <a:lvl3pPr marL="1828434" indent="0">
               <a:buNone/>
               <a:defRPr sz="2400"/>
             </a:lvl3pPr>
-            <a:lvl4pPr marL="1371600" indent="0">
+            <a:lvl4pPr marL="2742651" indent="0">
               <a:buNone/>
               <a:defRPr sz="2000"/>
             </a:lvl4pPr>
-            <a:lvl5pPr marL="1828800" indent="0">
+            <a:lvl5pPr marL="3656868" indent="0">
               <a:buNone/>
               <a:defRPr sz="2000"/>
             </a:lvl5pPr>
-            <a:lvl6pPr marL="2286000" indent="0">
+            <a:lvl6pPr marL="4571086" indent="0">
               <a:buNone/>
               <a:defRPr sz="2000"/>
             </a:lvl6pPr>
-            <a:lvl7pPr marL="2743200" indent="0">
+            <a:lvl7pPr marL="5485303" indent="0">
               <a:buNone/>
               <a:defRPr sz="2000"/>
             </a:lvl7pPr>
-            <a:lvl8pPr marL="3200400" indent="0">
+            <a:lvl8pPr marL="6399520" indent="0">
               <a:buNone/>
               <a:defRPr sz="2000"/>
             </a:lvl8pPr>
-            <a:lvl9pPr marL="3657600" indent="0">
+            <a:lvl9pPr marL="7313737" indent="0">
               <a:buNone/>
               <a:defRPr sz="2000"/>
-            </a:lvl9pPr>
-          </a:lstStyle>
-          <a:p>
-            <a:endParaRPr lang="en-US"/>
-          </a:p>
-        </p:txBody>
-      </p:sp>
-      <p:sp>
-        <p:nvSpPr>
-          <p:cNvPr id="4" name="Text Placeholder 3"/>
-          <p:cNvSpPr>
-            <a:spLocks noGrp="1"/>
-          </p:cNvSpPr>
-          <p:nvPr>
-            <p:ph type="body" sz="half" idx="2"/>
-          </p:nvPr>
-        </p:nvSpPr>
-        <p:spPr>
-          <a:xfrm>
-            <a:off x="839788" y="2057400"/>
-            <a:ext cx="3932237" cy="3811588"/>
-          </a:xfrm>
-        </p:spPr>
-        <p:txBody>
-          <a:bodyPr/>
-          <a:lstStyle>
-            <a:lvl1pPr marL="0" indent="0">
-              <a:buNone/>
-              <a:defRPr sz="1600"/>
-            </a:lvl1pPr>
-            <a:lvl2pPr marL="457200" indent="0">
-              <a:buNone/>
-              <a:defRPr sz="1400"/>
-            </a:lvl2pPr>
-            <a:lvl3pPr marL="914400" indent="0">
-              <a:buNone/>
-              <a:defRPr sz="1200"/>
-            </a:lvl3pPr>
-            <a:lvl4pPr marL="1371600" indent="0">
-              <a:buNone/>
-              <a:defRPr sz="1000"/>
-            </a:lvl4pPr>
-            <a:lvl5pPr marL="1828800" indent="0">
-              <a:buNone/>
-              <a:defRPr sz="1000"/>
-            </a:lvl5pPr>
-            <a:lvl6pPr marL="2286000" indent="0">
-              <a:buNone/>
-              <a:defRPr sz="1000"/>
-            </a:lvl6pPr>
-            <a:lvl7pPr marL="2743200" indent="0">
-              <a:buNone/>
-              <a:defRPr sz="1000"/>
-            </a:lvl7pPr>
-            <a:lvl8pPr marL="3200400" indent="0">
-              <a:buNone/>
-              <a:defRPr sz="1000"/>
-            </a:lvl8pPr>
-            <a:lvl9pPr marL="3657600" indent="0">
-              <a:buNone/>
-              <a:defRPr sz="1000"/>
             </a:lvl9pPr>
           </a:lstStyle>
           <a:p>
@@ -2441,15 +2441,15 @@
         </p:nvSpPr>
         <p:spPr>
           <a:xfrm>
-            <a:off x="838200" y="365125"/>
-            <a:ext cx="10515600" cy="1325563"/>
+            <a:off x="1675967" y="730251"/>
+            <a:ext cx="21025723" cy="2651126"/>
           </a:xfrm>
           <a:prstGeom prst="rect">
             <a:avLst/>
           </a:prstGeom>
         </p:spPr>
         <p:txBody>
-          <a:bodyPr vert="horz" lIns="91440" tIns="45720" rIns="91440" bIns="45720" rtlCol="0" anchor="ctr">
+          <a:bodyPr vert="horz" lIns="182843" tIns="91422" rIns="182843" bIns="91422" rtlCol="0" anchor="ctr">
             <a:normAutofit/>
           </a:bodyPr>
           <a:lstStyle/>
@@ -2474,15 +2474,15 @@
         </p:nvSpPr>
         <p:spPr>
           <a:xfrm>
-            <a:off x="838200" y="1825625"/>
-            <a:ext cx="10515600" cy="4351338"/>
+            <a:off x="1675967" y="3651250"/>
+            <a:ext cx="21025723" cy="8702676"/>
           </a:xfrm>
           <a:prstGeom prst="rect">
             <a:avLst/>
           </a:prstGeom>
         </p:spPr>
         <p:txBody>
-          <a:bodyPr vert="horz" lIns="91440" tIns="45720" rIns="91440" bIns="45720" rtlCol="0">
+          <a:bodyPr vert="horz" lIns="182843" tIns="91422" rIns="182843" bIns="91422" rtlCol="0">
             <a:normAutofit/>
           </a:bodyPr>
           <a:lstStyle/>
@@ -2536,18 +2536,18 @@
         </p:nvSpPr>
         <p:spPr>
           <a:xfrm>
-            <a:off x="838200" y="6356350"/>
-            <a:ext cx="2743200" cy="365125"/>
+            <a:off x="1675966" y="12712703"/>
+            <a:ext cx="5484971" cy="730250"/>
           </a:xfrm>
           <a:prstGeom prst="rect">
             <a:avLst/>
           </a:prstGeom>
         </p:spPr>
         <p:txBody>
-          <a:bodyPr vert="horz" lIns="91440" tIns="45720" rIns="91440" bIns="45720" rtlCol="0" anchor="ctr"/>
+          <a:bodyPr vert="horz" lIns="182843" tIns="91422" rIns="182843" bIns="91422" rtlCol="0" anchor="ctr"/>
           <a:lstStyle>
             <a:lvl1pPr algn="l">
-              <a:defRPr sz="1200">
+              <a:defRPr sz="2400">
                 <a:solidFill>
                   <a:schemeClr val="tx1">
                     <a:tint val="75000"/>
@@ -2577,18 +2577,18 @@
         </p:nvSpPr>
         <p:spPr>
           <a:xfrm>
-            <a:off x="4038600" y="6356350"/>
-            <a:ext cx="4114800" cy="365125"/>
+            <a:off x="8075100" y="12712703"/>
+            <a:ext cx="8227457" cy="730250"/>
           </a:xfrm>
           <a:prstGeom prst="rect">
             <a:avLst/>
           </a:prstGeom>
         </p:spPr>
         <p:txBody>
-          <a:bodyPr vert="horz" lIns="91440" tIns="45720" rIns="91440" bIns="45720" rtlCol="0" anchor="ctr"/>
+          <a:bodyPr vert="horz" lIns="182843" tIns="91422" rIns="182843" bIns="91422" rtlCol="0" anchor="ctr"/>
           <a:lstStyle>
             <a:lvl1pPr algn="ctr">
-              <a:defRPr sz="1200">
+              <a:defRPr sz="2400">
                 <a:solidFill>
                   <a:schemeClr val="tx1">
                     <a:tint val="75000"/>
@@ -2614,18 +2614,18 @@
         </p:nvSpPr>
         <p:spPr>
           <a:xfrm>
-            <a:off x="8610600" y="6356350"/>
-            <a:ext cx="2743200" cy="365125"/>
+            <a:off x="17216717" y="12712703"/>
+            <a:ext cx="5484971" cy="730250"/>
           </a:xfrm>
           <a:prstGeom prst="rect">
             <a:avLst/>
           </a:prstGeom>
         </p:spPr>
         <p:txBody>
-          <a:bodyPr vert="horz" lIns="91440" tIns="45720" rIns="91440" bIns="45720" rtlCol="0" anchor="ctr"/>
+          <a:bodyPr vert="horz" lIns="182843" tIns="91422" rIns="182843" bIns="91422" rtlCol="0" anchor="ctr"/>
           <a:lstStyle>
             <a:lvl1pPr algn="r">
-              <a:defRPr sz="1200">
+              <a:defRPr sz="2400">
                 <a:solidFill>
                   <a:schemeClr val="tx1">
                     <a:tint val="75000"/>
@@ -2650,7 +2650,7 @@
       </p:ext>
     </p:extLst>
   </p:cSld>
-  <p:clrMap bg1="lt1" tx1="dk1" bg2="lt2" tx2="dk2" accent1="accent1" accent2="accent2" accent3="accent3" accent4="accent4" accent5="accent5" accent6="accent6" hlink="hlink" folHlink="folHlink"/>
+  <p:clrMap bg1="dk1" tx1="lt1" bg2="dk2" tx2="lt2" accent1="accent1" accent2="accent2" accent3="accent3" accent4="accent4" accent5="accent5" accent6="accent6" hlink="hlink" folHlink="folHlink"/>
   <p:sldLayoutIdLst>
     <p:sldLayoutId id="2147483649" r:id="rId1"/>
     <p:sldLayoutId id="2147483650" r:id="rId2"/>
@@ -2666,7 +2666,7 @@
   </p:sldLayoutIdLst>
   <p:txStyles>
     <p:titleStyle>
-      <a:lvl1pPr algn="l" defTabSz="914400" rtl="0" eaLnBrk="1" latinLnBrk="0" hangingPunct="1">
+      <a:lvl1pPr algn="l" defTabSz="1828434" rtl="0" eaLnBrk="1" latinLnBrk="0" hangingPunct="1">
         <a:lnSpc>
           <a:spcPct val="90000"/>
         </a:lnSpc>
@@ -2674,7 +2674,7 @@
           <a:spcPct val="0"/>
         </a:spcBef>
         <a:buNone/>
-        <a:defRPr sz="4400" kern="1200">
+        <a:defRPr sz="8800" kern="1200">
           <a:solidFill>
             <a:schemeClr val="tx1"/>
           </a:solidFill>
@@ -2685,7 +2685,25 @@
       </a:lvl1pPr>
     </p:titleStyle>
     <p:bodyStyle>
-      <a:lvl1pPr marL="228600" indent="-228600" algn="l" defTabSz="914400" rtl="0" eaLnBrk="1" latinLnBrk="0" hangingPunct="1">
+      <a:lvl1pPr marL="457109" indent="-457109" algn="l" defTabSz="1828434" rtl="0" eaLnBrk="1" latinLnBrk="0" hangingPunct="1">
+        <a:lnSpc>
+          <a:spcPct val="90000"/>
+        </a:lnSpc>
+        <a:spcBef>
+          <a:spcPts val="2000"/>
+        </a:spcBef>
+        <a:buFont typeface="Arial" panose="020B0604020202020204" pitchFamily="34" charset="0"/>
+        <a:buChar char="•"/>
+        <a:defRPr sz="5600" kern="1200">
+          <a:solidFill>
+            <a:schemeClr val="tx1"/>
+          </a:solidFill>
+          <a:latin typeface="+mn-lt"/>
+          <a:ea typeface="+mn-ea"/>
+          <a:cs typeface="+mn-cs"/>
+        </a:defRPr>
+      </a:lvl1pPr>
+      <a:lvl2pPr marL="1371326" indent="-457109" algn="l" defTabSz="1828434" rtl="0" eaLnBrk="1" latinLnBrk="0" hangingPunct="1">
         <a:lnSpc>
           <a:spcPct val="90000"/>
         </a:lnSpc>
@@ -2694,25 +2712,7 @@
         </a:spcBef>
         <a:buFont typeface="Arial" panose="020B0604020202020204" pitchFamily="34" charset="0"/>
         <a:buChar char="•"/>
-        <a:defRPr sz="2800" kern="1200">
-          <a:solidFill>
-            <a:schemeClr val="tx1"/>
-          </a:solidFill>
-          <a:latin typeface="+mn-lt"/>
-          <a:ea typeface="+mn-ea"/>
-          <a:cs typeface="+mn-cs"/>
-        </a:defRPr>
-      </a:lvl1pPr>
-      <a:lvl2pPr marL="685800" indent="-228600" algn="l" defTabSz="914400" rtl="0" eaLnBrk="1" latinLnBrk="0" hangingPunct="1">
-        <a:lnSpc>
-          <a:spcPct val="90000"/>
-        </a:lnSpc>
-        <a:spcBef>
-          <a:spcPts val="500"/>
-        </a:spcBef>
-        <a:buFont typeface="Arial" panose="020B0604020202020204" pitchFamily="34" charset="0"/>
-        <a:buChar char="•"/>
-        <a:defRPr sz="2400" kern="1200">
+        <a:defRPr sz="4800" kern="1200">
           <a:solidFill>
             <a:schemeClr val="tx1"/>
           </a:solidFill>
@@ -2721,16 +2721,16 @@
           <a:cs typeface="+mn-cs"/>
         </a:defRPr>
       </a:lvl2pPr>
-      <a:lvl3pPr marL="1143000" indent="-228600" algn="l" defTabSz="914400" rtl="0" eaLnBrk="1" latinLnBrk="0" hangingPunct="1">
+      <a:lvl3pPr marL="2285543" indent="-457109" algn="l" defTabSz="1828434" rtl="0" eaLnBrk="1" latinLnBrk="0" hangingPunct="1">
         <a:lnSpc>
           <a:spcPct val="90000"/>
         </a:lnSpc>
         <a:spcBef>
-          <a:spcPts val="500"/>
+          <a:spcPts val="1000"/>
         </a:spcBef>
         <a:buFont typeface="Arial" panose="020B0604020202020204" pitchFamily="34" charset="0"/>
         <a:buChar char="•"/>
-        <a:defRPr sz="2000" kern="1200">
+        <a:defRPr sz="4000" kern="1200">
           <a:solidFill>
             <a:schemeClr val="tx1"/>
           </a:solidFill>
@@ -2739,16 +2739,16 @@
           <a:cs typeface="+mn-cs"/>
         </a:defRPr>
       </a:lvl3pPr>
-      <a:lvl4pPr marL="1600200" indent="-228600" algn="l" defTabSz="914400" rtl="0" eaLnBrk="1" latinLnBrk="0" hangingPunct="1">
+      <a:lvl4pPr marL="3199760" indent="-457109" algn="l" defTabSz="1828434" rtl="0" eaLnBrk="1" latinLnBrk="0" hangingPunct="1">
         <a:lnSpc>
           <a:spcPct val="90000"/>
         </a:lnSpc>
         <a:spcBef>
-          <a:spcPts val="500"/>
+          <a:spcPts val="1000"/>
         </a:spcBef>
         <a:buFont typeface="Arial" panose="020B0604020202020204" pitchFamily="34" charset="0"/>
         <a:buChar char="•"/>
-        <a:defRPr sz="1800" kern="1200">
+        <a:defRPr sz="3600" kern="1200">
           <a:solidFill>
             <a:schemeClr val="tx1"/>
           </a:solidFill>
@@ -2757,16 +2757,16 @@
           <a:cs typeface="+mn-cs"/>
         </a:defRPr>
       </a:lvl4pPr>
-      <a:lvl5pPr marL="2057400" indent="-228600" algn="l" defTabSz="914400" rtl="0" eaLnBrk="1" latinLnBrk="0" hangingPunct="1">
+      <a:lvl5pPr marL="4113977" indent="-457109" algn="l" defTabSz="1828434" rtl="0" eaLnBrk="1" latinLnBrk="0" hangingPunct="1">
         <a:lnSpc>
           <a:spcPct val="90000"/>
         </a:lnSpc>
         <a:spcBef>
-          <a:spcPts val="500"/>
+          <a:spcPts val="1000"/>
         </a:spcBef>
         <a:buFont typeface="Arial" panose="020B0604020202020204" pitchFamily="34" charset="0"/>
         <a:buChar char="•"/>
-        <a:defRPr sz="1800" kern="1200">
+        <a:defRPr sz="3600" kern="1200">
           <a:solidFill>
             <a:schemeClr val="tx1"/>
           </a:solidFill>
@@ -2775,16 +2775,16 @@
           <a:cs typeface="+mn-cs"/>
         </a:defRPr>
       </a:lvl5pPr>
-      <a:lvl6pPr marL="2514600" indent="-228600" algn="l" defTabSz="914400" rtl="0" eaLnBrk="1" latinLnBrk="0" hangingPunct="1">
+      <a:lvl6pPr marL="5028194" indent="-457109" algn="l" defTabSz="1828434" rtl="0" eaLnBrk="1" latinLnBrk="0" hangingPunct="1">
         <a:lnSpc>
           <a:spcPct val="90000"/>
         </a:lnSpc>
         <a:spcBef>
-          <a:spcPts val="500"/>
+          <a:spcPts val="1000"/>
         </a:spcBef>
         <a:buFont typeface="Arial" panose="020B0604020202020204" pitchFamily="34" charset="0"/>
         <a:buChar char="•"/>
-        <a:defRPr sz="1800" kern="1200">
+        <a:defRPr sz="3600" kern="1200">
           <a:solidFill>
             <a:schemeClr val="tx1"/>
           </a:solidFill>
@@ -2793,16 +2793,16 @@
           <a:cs typeface="+mn-cs"/>
         </a:defRPr>
       </a:lvl6pPr>
-      <a:lvl7pPr marL="2971800" indent="-228600" algn="l" defTabSz="914400" rtl="0" eaLnBrk="1" latinLnBrk="0" hangingPunct="1">
+      <a:lvl7pPr marL="5942411" indent="-457109" algn="l" defTabSz="1828434" rtl="0" eaLnBrk="1" latinLnBrk="0" hangingPunct="1">
         <a:lnSpc>
           <a:spcPct val="90000"/>
         </a:lnSpc>
         <a:spcBef>
-          <a:spcPts val="500"/>
+          <a:spcPts val="1000"/>
         </a:spcBef>
         <a:buFont typeface="Arial" panose="020B0604020202020204" pitchFamily="34" charset="0"/>
         <a:buChar char="•"/>
-        <a:defRPr sz="1800" kern="1200">
+        <a:defRPr sz="3600" kern="1200">
           <a:solidFill>
             <a:schemeClr val="tx1"/>
           </a:solidFill>
@@ -2811,16 +2811,16 @@
           <a:cs typeface="+mn-cs"/>
         </a:defRPr>
       </a:lvl7pPr>
-      <a:lvl8pPr marL="3429000" indent="-228600" algn="l" defTabSz="914400" rtl="0" eaLnBrk="1" latinLnBrk="0" hangingPunct="1">
+      <a:lvl8pPr marL="6856628" indent="-457109" algn="l" defTabSz="1828434" rtl="0" eaLnBrk="1" latinLnBrk="0" hangingPunct="1">
         <a:lnSpc>
           <a:spcPct val="90000"/>
         </a:lnSpc>
         <a:spcBef>
-          <a:spcPts val="500"/>
+          <a:spcPts val="1000"/>
         </a:spcBef>
         <a:buFont typeface="Arial" panose="020B0604020202020204" pitchFamily="34" charset="0"/>
         <a:buChar char="•"/>
-        <a:defRPr sz="1800" kern="1200">
+        <a:defRPr sz="3600" kern="1200">
           <a:solidFill>
             <a:schemeClr val="tx1"/>
           </a:solidFill>
@@ -2829,16 +2829,16 @@
           <a:cs typeface="+mn-cs"/>
         </a:defRPr>
       </a:lvl8pPr>
-      <a:lvl9pPr marL="3886200" indent="-228600" algn="l" defTabSz="914400" rtl="0" eaLnBrk="1" latinLnBrk="0" hangingPunct="1">
+      <a:lvl9pPr marL="7770846" indent="-457109" algn="l" defTabSz="1828434" rtl="0" eaLnBrk="1" latinLnBrk="0" hangingPunct="1">
         <a:lnSpc>
           <a:spcPct val="90000"/>
         </a:lnSpc>
         <a:spcBef>
-          <a:spcPts val="500"/>
+          <a:spcPts val="1000"/>
         </a:spcBef>
         <a:buFont typeface="Arial" panose="020B0604020202020204" pitchFamily="34" charset="0"/>
         <a:buChar char="•"/>
-        <a:defRPr sz="1800" kern="1200">
+        <a:defRPr sz="3600" kern="1200">
           <a:solidFill>
             <a:schemeClr val="tx1"/>
           </a:solidFill>
@@ -2852,8 +2852,8 @@
       <a:defPPr>
         <a:defRPr lang="en-US"/>
       </a:defPPr>
-      <a:lvl1pPr marL="0" algn="l" defTabSz="914400" rtl="0" eaLnBrk="1" latinLnBrk="0" hangingPunct="1">
-        <a:defRPr sz="1800" kern="1200">
+      <a:lvl1pPr marL="0" algn="l" defTabSz="1828434" rtl="0" eaLnBrk="1" latinLnBrk="0" hangingPunct="1">
+        <a:defRPr sz="3600" kern="1200">
           <a:solidFill>
             <a:schemeClr val="tx1"/>
           </a:solidFill>
@@ -2862,8 +2862,8 @@
           <a:cs typeface="+mn-cs"/>
         </a:defRPr>
       </a:lvl1pPr>
-      <a:lvl2pPr marL="457200" algn="l" defTabSz="914400" rtl="0" eaLnBrk="1" latinLnBrk="0" hangingPunct="1">
-        <a:defRPr sz="1800" kern="1200">
+      <a:lvl2pPr marL="914217" algn="l" defTabSz="1828434" rtl="0" eaLnBrk="1" latinLnBrk="0" hangingPunct="1">
+        <a:defRPr sz="3600" kern="1200">
           <a:solidFill>
             <a:schemeClr val="tx1"/>
           </a:solidFill>
@@ -2872,8 +2872,8 @@
           <a:cs typeface="+mn-cs"/>
         </a:defRPr>
       </a:lvl2pPr>
-      <a:lvl3pPr marL="914400" algn="l" defTabSz="914400" rtl="0" eaLnBrk="1" latinLnBrk="0" hangingPunct="1">
-        <a:defRPr sz="1800" kern="1200">
+      <a:lvl3pPr marL="1828434" algn="l" defTabSz="1828434" rtl="0" eaLnBrk="1" latinLnBrk="0" hangingPunct="1">
+        <a:defRPr sz="3600" kern="1200">
           <a:solidFill>
             <a:schemeClr val="tx1"/>
           </a:solidFill>
@@ -2882,8 +2882,8 @@
           <a:cs typeface="+mn-cs"/>
         </a:defRPr>
       </a:lvl3pPr>
-      <a:lvl4pPr marL="1371600" algn="l" defTabSz="914400" rtl="0" eaLnBrk="1" latinLnBrk="0" hangingPunct="1">
-        <a:defRPr sz="1800" kern="1200">
+      <a:lvl4pPr marL="2742651" algn="l" defTabSz="1828434" rtl="0" eaLnBrk="1" latinLnBrk="0" hangingPunct="1">
+        <a:defRPr sz="3600" kern="1200">
           <a:solidFill>
             <a:schemeClr val="tx1"/>
           </a:solidFill>
@@ -2892,8 +2892,8 @@
           <a:cs typeface="+mn-cs"/>
         </a:defRPr>
       </a:lvl4pPr>
-      <a:lvl5pPr marL="1828800" algn="l" defTabSz="914400" rtl="0" eaLnBrk="1" latinLnBrk="0" hangingPunct="1">
-        <a:defRPr sz="1800" kern="1200">
+      <a:lvl5pPr marL="3656868" algn="l" defTabSz="1828434" rtl="0" eaLnBrk="1" latinLnBrk="0" hangingPunct="1">
+        <a:defRPr sz="3600" kern="1200">
           <a:solidFill>
             <a:schemeClr val="tx1"/>
           </a:solidFill>
@@ -2902,8 +2902,8 @@
           <a:cs typeface="+mn-cs"/>
         </a:defRPr>
       </a:lvl5pPr>
-      <a:lvl6pPr marL="2286000" algn="l" defTabSz="914400" rtl="0" eaLnBrk="1" latinLnBrk="0" hangingPunct="1">
-        <a:defRPr sz="1800" kern="1200">
+      <a:lvl6pPr marL="4571086" algn="l" defTabSz="1828434" rtl="0" eaLnBrk="1" latinLnBrk="0" hangingPunct="1">
+        <a:defRPr sz="3600" kern="1200">
           <a:solidFill>
             <a:schemeClr val="tx1"/>
           </a:solidFill>
@@ -2912,8 +2912,8 @@
           <a:cs typeface="+mn-cs"/>
         </a:defRPr>
       </a:lvl6pPr>
-      <a:lvl7pPr marL="2743200" algn="l" defTabSz="914400" rtl="0" eaLnBrk="1" latinLnBrk="0" hangingPunct="1">
-        <a:defRPr sz="1800" kern="1200">
+      <a:lvl7pPr marL="5485303" algn="l" defTabSz="1828434" rtl="0" eaLnBrk="1" latinLnBrk="0" hangingPunct="1">
+        <a:defRPr sz="3600" kern="1200">
           <a:solidFill>
             <a:schemeClr val="tx1"/>
           </a:solidFill>
@@ -2922,8 +2922,8 @@
           <a:cs typeface="+mn-cs"/>
         </a:defRPr>
       </a:lvl7pPr>
-      <a:lvl8pPr marL="3200400" algn="l" defTabSz="914400" rtl="0" eaLnBrk="1" latinLnBrk="0" hangingPunct="1">
-        <a:defRPr sz="1800" kern="1200">
+      <a:lvl8pPr marL="6399520" algn="l" defTabSz="1828434" rtl="0" eaLnBrk="1" latinLnBrk="0" hangingPunct="1">
+        <a:defRPr sz="3600" kern="1200">
           <a:solidFill>
             <a:schemeClr val="tx1"/>
           </a:solidFill>
@@ -2932,8 +2932,8 @@
           <a:cs typeface="+mn-cs"/>
         </a:defRPr>
       </a:lvl8pPr>
-      <a:lvl9pPr marL="3657600" algn="l" defTabSz="914400" rtl="0" eaLnBrk="1" latinLnBrk="0" hangingPunct="1">
-        <a:defRPr sz="1800" kern="1200">
+      <a:lvl9pPr marL="7313737" algn="l" defTabSz="1828434" rtl="0" eaLnBrk="1" latinLnBrk="0" hangingPunct="1">
+        <a:defRPr sz="3600" kern="1200">
           <a:solidFill>
             <a:schemeClr val="tx1"/>
           </a:solidFill>
@@ -2972,8 +2972,8 @@
         </p:nvSpPr>
         <p:spPr>
           <a:xfrm>
-            <a:off x="0" y="0"/>
-            <a:ext cx="6708371" cy="646331"/>
+            <a:off x="0" y="3"/>
+            <a:ext cx="24377650" cy="1292662"/>
           </a:xfrm>
           <a:prstGeom prst="rect">
             <a:avLst/>
@@ -2981,20 +2981,26 @@
           <a:noFill/>
         </p:spPr>
         <p:txBody>
-          <a:bodyPr wrap="square" rtlCol="0">
+          <a:bodyPr wrap="square" lIns="182843" tIns="91422" rIns="182843" bIns="91422" rtlCol="0">
             <a:spAutoFit/>
           </a:bodyPr>
           <a:lstStyle/>
           <a:p>
             <a:pPr algn="ctr"/>
             <a:r>
-              <a:rPr lang="en-US" sz="3600" dirty="0" smtClean="0">
+              <a:rPr lang="en-US" sz="7200" dirty="0">
+                <a:solidFill>
+                  <a:srgbClr val="00B0F0"/>
+                </a:solidFill>
                 <a:latin typeface="Courier New" panose="02070309020205020404" pitchFamily="49" charset="0"/>
                 <a:cs typeface="Courier New" panose="02070309020205020404" pitchFamily="49" charset="0"/>
               </a:rPr>
-              <a:t>WELCOME TO &lt;GAME TITLE&gt;</a:t>
-            </a:r>
-            <a:endParaRPr lang="en-US" sz="3600" dirty="0">
+              <a:t>&lt;GAME TITLE&gt;</a:t>
+            </a:r>
+            <a:endParaRPr lang="en-US" sz="7200" dirty="0">
+              <a:solidFill>
+                <a:srgbClr val="00B0F0"/>
+              </a:solidFill>
               <a:latin typeface="Courier New" panose="02070309020205020404" pitchFamily="49" charset="0"/>
               <a:cs typeface="Courier New" panose="02070309020205020404" pitchFamily="49" charset="0"/>
             </a:endParaRPr>
@@ -3009,8 +3015,8 @@
         </p:nvSpPr>
         <p:spPr>
           <a:xfrm>
-            <a:off x="-58188" y="565265"/>
-            <a:ext cx="6517178" cy="3139321"/>
+            <a:off x="188375" y="1130530"/>
+            <a:ext cx="15326984" cy="9787258"/>
           </a:xfrm>
           <a:prstGeom prst="rect">
             <a:avLst/>
@@ -3018,92 +3024,164 @@
           <a:noFill/>
         </p:spPr>
         <p:txBody>
-          <a:bodyPr wrap="square" rtlCol="0">
+          <a:bodyPr wrap="square" lIns="182843" tIns="91422" rIns="182843" bIns="91422" rtlCol="0">
             <a:spAutoFit/>
           </a:bodyPr>
           <a:lstStyle/>
           <a:p>
             <a:r>
-              <a:rPr lang="en-US" dirty="0" smtClean="0">
+              <a:rPr lang="en-US" sz="4800" dirty="0">
                 <a:latin typeface="Courier New" panose="02070309020205020404" pitchFamily="49" charset="0"/>
                 <a:cs typeface="Courier New" panose="02070309020205020404" pitchFamily="49" charset="0"/>
               </a:rPr>
-              <a:t>Press 1 to upgrade size</a:t>
-            </a:r>
-          </a:p>
-          <a:p>
-            <a:endParaRPr lang="en-US" dirty="0">
+              <a:t>Press 1 to upgrade </a:t>
+            </a:r>
+            <a:r>
+              <a:rPr lang="en-US" sz="4800" dirty="0">
+                <a:solidFill>
+                  <a:srgbClr val="0070C0"/>
+                </a:solidFill>
+                <a:latin typeface="Courier New" panose="02070309020205020404" pitchFamily="49" charset="0"/>
+                <a:cs typeface="Courier New" panose="02070309020205020404" pitchFamily="49" charset="0"/>
+              </a:rPr>
+              <a:t>size</a:t>
+            </a:r>
+          </a:p>
+          <a:p>
+            <a:endParaRPr lang="en-US" sz="4800" dirty="0">
               <a:latin typeface="Courier New" panose="02070309020205020404" pitchFamily="49" charset="0"/>
               <a:cs typeface="Courier New" panose="02070309020205020404" pitchFamily="49" charset="0"/>
             </a:endParaRPr>
           </a:p>
           <a:p>
             <a:r>
-              <a:rPr lang="en-US" dirty="0" smtClean="0">
+              <a:rPr lang="en-US" sz="4800" dirty="0">
                 <a:latin typeface="Courier New" panose="02070309020205020404" pitchFamily="49" charset="0"/>
                 <a:cs typeface="Courier New" panose="02070309020205020404" pitchFamily="49" charset="0"/>
               </a:rPr>
-              <a:t>Press 2 to upgrade speed</a:t>
-            </a:r>
-          </a:p>
-          <a:p>
-            <a:endParaRPr lang="en-US" dirty="0">
+              <a:t>Press 2 to upgrade </a:t>
+            </a:r>
+            <a:r>
+              <a:rPr lang="en-US" sz="4800" dirty="0">
+                <a:solidFill>
+                  <a:srgbClr val="00B050"/>
+                </a:solidFill>
+                <a:latin typeface="Courier New" panose="02070309020205020404" pitchFamily="49" charset="0"/>
+                <a:cs typeface="Courier New" panose="02070309020205020404" pitchFamily="49" charset="0"/>
+              </a:rPr>
+              <a:t>speed</a:t>
+            </a:r>
+          </a:p>
+          <a:p>
+            <a:endParaRPr lang="en-US" sz="4800" dirty="0">
               <a:latin typeface="Courier New" panose="02070309020205020404" pitchFamily="49" charset="0"/>
               <a:cs typeface="Courier New" panose="02070309020205020404" pitchFamily="49" charset="0"/>
             </a:endParaRPr>
           </a:p>
           <a:p>
             <a:r>
-              <a:rPr lang="en-US" dirty="0" smtClean="0">
+              <a:rPr lang="en-US" sz="4800" dirty="0">
                 <a:latin typeface="Courier New" panose="02070309020205020404" pitchFamily="49" charset="0"/>
                 <a:cs typeface="Courier New" panose="02070309020205020404" pitchFamily="49" charset="0"/>
               </a:rPr>
-              <a:t>Press 3 to upgrade income</a:t>
-            </a:r>
-          </a:p>
-          <a:p>
-            <a:endParaRPr lang="en-US" dirty="0">
+              <a:t>Press 3 to upgrade </a:t>
+            </a:r>
+            <a:r>
+              <a:rPr lang="en-US" sz="4800" dirty="0">
+                <a:solidFill>
+                  <a:srgbClr val="FFFF00"/>
+                </a:solidFill>
+                <a:latin typeface="Courier New" panose="02070309020205020404" pitchFamily="49" charset="0"/>
+                <a:cs typeface="Courier New" panose="02070309020205020404" pitchFamily="49" charset="0"/>
+              </a:rPr>
+              <a:t>income</a:t>
+            </a:r>
+          </a:p>
+          <a:p>
+            <a:endParaRPr lang="en-US" sz="4800" dirty="0">
               <a:latin typeface="Courier New" panose="02070309020205020404" pitchFamily="49" charset="0"/>
               <a:cs typeface="Courier New" panose="02070309020205020404" pitchFamily="49" charset="0"/>
             </a:endParaRPr>
           </a:p>
           <a:p>
             <a:r>
-              <a:rPr lang="en-US" dirty="0" smtClean="0">
+              <a:rPr lang="en-US" sz="4800" dirty="0">
                 <a:latin typeface="Courier New" panose="02070309020205020404" pitchFamily="49" charset="0"/>
                 <a:cs typeface="Courier New" panose="02070309020205020404" pitchFamily="49" charset="0"/>
               </a:rPr>
-              <a:t>Press 4 to buy gun / ammo</a:t>
-            </a:r>
-          </a:p>
-          <a:p>
-            <a:endParaRPr lang="en-US" dirty="0">
+              <a:t>Press 4 to buy </a:t>
+            </a:r>
+            <a:r>
+              <a:rPr lang="en-US" sz="4800" dirty="0">
+                <a:solidFill>
+                  <a:srgbClr val="C00000"/>
+                </a:solidFill>
+                <a:latin typeface="Courier New" panose="02070309020205020404" pitchFamily="49" charset="0"/>
+                <a:cs typeface="Courier New" panose="02070309020205020404" pitchFamily="49" charset="0"/>
+              </a:rPr>
+              <a:t>gun</a:t>
+            </a:r>
+            <a:r>
+              <a:rPr lang="en-US" sz="4800" dirty="0">
+                <a:latin typeface="Courier New" panose="02070309020205020404" pitchFamily="49" charset="0"/>
+                <a:cs typeface="Courier New" panose="02070309020205020404" pitchFamily="49" charset="0"/>
+              </a:rPr>
+              <a:t> / </a:t>
+            </a:r>
+            <a:r>
+              <a:rPr lang="en-US" sz="4800" dirty="0">
+                <a:solidFill>
+                  <a:srgbClr val="C00000"/>
+                </a:solidFill>
+                <a:latin typeface="Courier New" panose="02070309020205020404" pitchFamily="49" charset="0"/>
+                <a:cs typeface="Courier New" panose="02070309020205020404" pitchFamily="49" charset="0"/>
+              </a:rPr>
+              <a:t>ammo</a:t>
+            </a:r>
+          </a:p>
+          <a:p>
+            <a:endParaRPr lang="en-US" sz="4800" dirty="0">
               <a:latin typeface="Courier New" panose="02070309020205020404" pitchFamily="49" charset="0"/>
               <a:cs typeface="Courier New" panose="02070309020205020404" pitchFamily="49" charset="0"/>
             </a:endParaRPr>
           </a:p>
           <a:p>
             <a:r>
-              <a:rPr lang="en-US" dirty="0" smtClean="0">
+              <a:rPr lang="en-US" sz="4800" dirty="0">
                 <a:latin typeface="Courier New" panose="02070309020205020404" pitchFamily="49" charset="0"/>
                 <a:cs typeface="Courier New" panose="02070309020205020404" pitchFamily="49" charset="0"/>
               </a:rPr>
-              <a:t>Press Space to shoot</a:t>
-            </a:r>
-          </a:p>
-          <a:p>
-            <a:endParaRPr lang="en-US" dirty="0">
+              <a:t>Use arrow keys to shoot</a:t>
+            </a:r>
+          </a:p>
+          <a:p>
+            <a:endParaRPr lang="en-US" sz="4800" dirty="0">
               <a:latin typeface="Courier New" panose="02070309020205020404" pitchFamily="49" charset="0"/>
               <a:cs typeface="Courier New" panose="02070309020205020404" pitchFamily="49" charset="0"/>
             </a:endParaRPr>
           </a:p>
           <a:p>
             <a:r>
-              <a:rPr lang="en-US" dirty="0" smtClean="0">
+              <a:rPr lang="en-US" sz="4800" dirty="0">
                 <a:latin typeface="Courier New" panose="02070309020205020404" pitchFamily="49" charset="0"/>
                 <a:cs typeface="Courier New" panose="02070309020205020404" pitchFamily="49" charset="0"/>
               </a:rPr>
-              <a:t>Press WASD to move</a:t>
+              <a:t>Use WASD to move</a:t>
+            </a:r>
+          </a:p>
+          <a:p>
+            <a:endParaRPr lang="en-US" sz="4800" dirty="0">
+              <a:latin typeface="Courier New" panose="02070309020205020404" pitchFamily="49" charset="0"/>
+              <a:cs typeface="Courier New" panose="02070309020205020404" pitchFamily="49" charset="0"/>
+            </a:endParaRPr>
+          </a:p>
+          <a:p>
+            <a:r>
+              <a:rPr lang="en-US" sz="4800" dirty="0">
+                <a:latin typeface="Courier New" panose="02070309020205020404" pitchFamily="49" charset="0"/>
+                <a:cs typeface="Courier New" panose="02070309020205020404" pitchFamily="49" charset="0"/>
+              </a:rPr>
+              <a:t>Upgrades require coins</a:t>
             </a:r>
           </a:p>
         </p:txBody>
@@ -3116,8 +3194,8 @@
         </p:nvSpPr>
         <p:spPr>
           <a:xfrm>
-            <a:off x="0" y="3599411"/>
-            <a:ext cx="12192000" cy="646331"/>
+            <a:off x="0" y="11065847"/>
+            <a:ext cx="24377650" cy="1292662"/>
           </a:xfrm>
           <a:prstGeom prst="rect">
             <a:avLst/>
@@ -3125,20 +3203,20 @@
           <a:noFill/>
         </p:spPr>
         <p:txBody>
-          <a:bodyPr wrap="square" rtlCol="0">
+          <a:bodyPr wrap="square" lIns="182843" tIns="91422" rIns="182843" bIns="91422" rtlCol="0">
             <a:spAutoFit/>
           </a:bodyPr>
           <a:lstStyle/>
           <a:p>
             <a:pPr algn="ctr"/>
             <a:r>
-              <a:rPr lang="en-US" sz="3600" dirty="0" smtClean="0">
+              <a:rPr lang="en-US" sz="7200" dirty="0">
                 <a:latin typeface="Courier New" panose="02070309020205020404" pitchFamily="49" charset="0"/>
                 <a:cs typeface="Courier New" panose="02070309020205020404" pitchFamily="49" charset="0"/>
               </a:rPr>
-              <a:t>PRESS R TO BEGIN</a:t>
-            </a:r>
-            <a:endParaRPr lang="en-US" sz="1050" dirty="0">
+              <a:t>PRESS ESC TO BEGIN</a:t>
+            </a:r>
+            <a:endParaRPr lang="en-US" sz="2100" dirty="0">
               <a:latin typeface="Courier New" panose="02070309020205020404" pitchFamily="49" charset="0"/>
               <a:cs typeface="Courier New" panose="02070309020205020404" pitchFamily="49" charset="0"/>
             </a:endParaRPr>
@@ -3155,6 +3233,13 @@
   <p:clrMapOvr>
     <a:masterClrMapping/>
   </p:clrMapOvr>
+  <p:timing>
+    <p:tnLst>
+      <p:par>
+        <p:cTn id="1" dur="indefinite" restart="never" nodeType="tmRoot"/>
+      </p:par>
+    </p:tnLst>
+  </p:timing>
 </p:sld>
 </file>
 
@@ -3413,7 +3498,7 @@
   <a:extraClrSchemeLst/>
   <a:extLst>
     <a:ext uri="{05A4C25C-085E-4340-85A3-A5531E510DB2}">
-      <thm15:themeFamily xmlns:thm15="http://schemas.microsoft.com/office/thememl/2012/main" name="Office Theme" id="{62F939B6-93AF-4DB8-9C6B-D6C7DFDC589F}" vid="{4A3C46E8-61CC-4603-A589-7422A47A8E4A}"/>
+      <thm15:themeFamily xmlns:thm15="http://schemas.microsoft.com/office/thememl/2012/main" xmlns="" name="Office Theme" id="{62F939B6-93AF-4DB8-9C6B-D6C7DFDC589F}" vid="{4A3C46E8-61CC-4603-A589-7422A47A8E4A}"/>
     </a:ext>
   </a:extLst>
 </a:theme>

--- a/Presentation1.pptx
+++ b/Presentation1.pptx
@@ -104,6 +104,22 @@
       </a:defRPr>
     </a:lvl9pPr>
   </p:defaultTextStyle>
+  <p:extLst>
+    <p:ext uri="{EFAFB233-063F-42B5-8137-9DF3F51BA10A}">
+      <p15:sldGuideLst xmlns:p15="http://schemas.microsoft.com/office/powerpoint/2012/main">
+        <p15:guide id="1" orient="horz" pos="4320">
+          <p15:clr>
+            <a:srgbClr val="A4A3A4"/>
+          </p15:clr>
+        </p15:guide>
+        <p15:guide id="2" pos="7678">
+          <p15:clr>
+            <a:srgbClr val="A4A3A4"/>
+          </p15:clr>
+        </p15:guide>
+      </p15:sldGuideLst>
+    </p:ext>
+  </p:extLst>
 </p:presentation>
 </file>
 
@@ -238,7 +254,7 @@
           <a:p>
             <a:fld id="{27670156-6B0C-42D9-B13D-8CA89364759E}" type="datetimeFigureOut">
               <a:rPr lang="en-US" smtClean="0"/>
-              <a:t>8/1/2017</a:t>
+              <a:t>8/3/2017</a:t>
             </a:fld>
             <a:endParaRPr lang="en-US"/>
           </a:p>
@@ -408,7 +424,7 @@
           <a:p>
             <a:fld id="{27670156-6B0C-42D9-B13D-8CA89364759E}" type="datetimeFigureOut">
               <a:rPr lang="en-US" smtClean="0"/>
-              <a:t>8/1/2017</a:t>
+              <a:t>8/3/2017</a:t>
             </a:fld>
             <a:endParaRPr lang="en-US"/>
           </a:p>
@@ -588,7 +604,7 @@
           <a:p>
             <a:fld id="{27670156-6B0C-42D9-B13D-8CA89364759E}" type="datetimeFigureOut">
               <a:rPr lang="en-US" smtClean="0"/>
-              <a:t>8/1/2017</a:t>
+              <a:t>8/3/2017</a:t>
             </a:fld>
             <a:endParaRPr lang="en-US"/>
           </a:p>
@@ -758,7 +774,7 @@
           <a:p>
             <a:fld id="{27670156-6B0C-42D9-B13D-8CA89364759E}" type="datetimeFigureOut">
               <a:rPr lang="en-US" smtClean="0"/>
-              <a:t>8/1/2017</a:t>
+              <a:t>8/3/2017</a:t>
             </a:fld>
             <a:endParaRPr lang="en-US"/>
           </a:p>
@@ -1004,7 +1020,7 @@
           <a:p>
             <a:fld id="{27670156-6B0C-42D9-B13D-8CA89364759E}" type="datetimeFigureOut">
               <a:rPr lang="en-US" smtClean="0"/>
-              <a:t>8/1/2017</a:t>
+              <a:t>8/3/2017</a:t>
             </a:fld>
             <a:endParaRPr lang="en-US"/>
           </a:p>
@@ -1236,7 +1252,7 @@
           <a:p>
             <a:fld id="{27670156-6B0C-42D9-B13D-8CA89364759E}" type="datetimeFigureOut">
               <a:rPr lang="en-US" smtClean="0"/>
-              <a:t>8/1/2017</a:t>
+              <a:t>8/3/2017</a:t>
             </a:fld>
             <a:endParaRPr lang="en-US"/>
           </a:p>
@@ -1603,7 +1619,7 @@
           <a:p>
             <a:fld id="{27670156-6B0C-42D9-B13D-8CA89364759E}" type="datetimeFigureOut">
               <a:rPr lang="en-US" smtClean="0"/>
-              <a:t>8/1/2017</a:t>
+              <a:t>8/3/2017</a:t>
             </a:fld>
             <a:endParaRPr lang="en-US"/>
           </a:p>
@@ -1721,7 +1737,7 @@
           <a:p>
             <a:fld id="{27670156-6B0C-42D9-B13D-8CA89364759E}" type="datetimeFigureOut">
               <a:rPr lang="en-US" smtClean="0"/>
-              <a:t>8/1/2017</a:t>
+              <a:t>8/3/2017</a:t>
             </a:fld>
             <a:endParaRPr lang="en-US"/>
           </a:p>
@@ -1816,7 +1832,7 @@
           <a:p>
             <a:fld id="{27670156-6B0C-42D9-B13D-8CA89364759E}" type="datetimeFigureOut">
               <a:rPr lang="en-US" smtClean="0"/>
-              <a:t>8/1/2017</a:t>
+              <a:t>8/3/2017</a:t>
             </a:fld>
             <a:endParaRPr lang="en-US"/>
           </a:p>
@@ -2093,7 +2109,7 @@
           <a:p>
             <a:fld id="{27670156-6B0C-42D9-B13D-8CA89364759E}" type="datetimeFigureOut">
               <a:rPr lang="en-US" smtClean="0"/>
-              <a:t>8/1/2017</a:t>
+              <a:t>8/3/2017</a:t>
             </a:fld>
             <a:endParaRPr lang="en-US"/>
           </a:p>
@@ -2346,7 +2362,7 @@
           <a:p>
             <a:fld id="{27670156-6B0C-42D9-B13D-8CA89364759E}" type="datetimeFigureOut">
               <a:rPr lang="en-US" smtClean="0"/>
-              <a:t>8/1/2017</a:t>
+              <a:t>8/3/2017</a:t>
             </a:fld>
             <a:endParaRPr lang="en-US"/>
           </a:p>
@@ -2559,7 +2575,7 @@
           <a:p>
             <a:fld id="{27670156-6B0C-42D9-B13D-8CA89364759E}" type="datetimeFigureOut">
               <a:rPr lang="en-US" smtClean="0"/>
-              <a:t>8/1/2017</a:t>
+              <a:t>8/3/2017</a:t>
             </a:fld>
             <a:endParaRPr lang="en-US"/>
           </a:p>
@@ -2997,13 +3013,6 @@
               </a:rPr>
               <a:t>&lt;GAME TITLE&gt;</a:t>
             </a:r>
-            <a:endParaRPr lang="en-US" sz="7200" dirty="0">
-              <a:solidFill>
-                <a:srgbClr val="00B0F0"/>
-              </a:solidFill>
-              <a:latin typeface="Courier New" panose="02070309020205020404" pitchFamily="49" charset="0"/>
-              <a:cs typeface="Courier New" panose="02070309020205020404" pitchFamily="49" charset="0"/>
-            </a:endParaRPr>
           </a:p>
         </p:txBody>
       </p:sp>
@@ -3016,7 +3025,7 @@
         <p:spPr>
           <a:xfrm>
             <a:off x="188375" y="1130530"/>
-            <a:ext cx="15326984" cy="9787258"/>
+            <a:ext cx="9886650" cy="9787258"/>
           </a:xfrm>
           <a:prstGeom prst="rect">
             <a:avLst/>
@@ -3109,10 +3118,17 @@
                 <a:latin typeface="Courier New" panose="02070309020205020404" pitchFamily="49" charset="0"/>
                 <a:cs typeface="Courier New" panose="02070309020205020404" pitchFamily="49" charset="0"/>
               </a:rPr>
-              <a:t>Press 4 to buy </a:t>
-            </a:r>
-            <a:r>
-              <a:rPr lang="en-US" sz="4800" dirty="0">
+              <a:t>Press 4 to </a:t>
+            </a:r>
+            <a:r>
+              <a:rPr lang="en-US" sz="4800" dirty="0" smtClean="0">
+                <a:latin typeface="Courier New" panose="02070309020205020404" pitchFamily="49" charset="0"/>
+                <a:cs typeface="Courier New" panose="02070309020205020404" pitchFamily="49" charset="0"/>
+              </a:rPr>
+              <a:t>buy </a:t>
+            </a:r>
+            <a:r>
+              <a:rPr lang="en-US" sz="4800" dirty="0" smtClean="0">
                 <a:solidFill>
                   <a:srgbClr val="C00000"/>
                 </a:solidFill>
@@ -3121,23 +3137,13 @@
               </a:rPr>
               <a:t>gun</a:t>
             </a:r>
-            <a:r>
-              <a:rPr lang="en-US" sz="4800" dirty="0">
-                <a:latin typeface="Courier New" panose="02070309020205020404" pitchFamily="49" charset="0"/>
-                <a:cs typeface="Courier New" panose="02070309020205020404" pitchFamily="49" charset="0"/>
-              </a:rPr>
-              <a:t> / </a:t>
-            </a:r>
-            <a:r>
-              <a:rPr lang="en-US" sz="4800" dirty="0">
-                <a:solidFill>
-                  <a:srgbClr val="C00000"/>
-                </a:solidFill>
-                <a:latin typeface="Courier New" panose="02070309020205020404" pitchFamily="49" charset="0"/>
-                <a:cs typeface="Courier New" panose="02070309020205020404" pitchFamily="49" charset="0"/>
-              </a:rPr>
-              <a:t>ammo</a:t>
-            </a:r>
+            <a:endParaRPr lang="en-US" sz="4800" dirty="0">
+              <a:solidFill>
+                <a:srgbClr val="C00000"/>
+              </a:solidFill>
+              <a:latin typeface="Courier New" panose="02070309020205020404" pitchFamily="49" charset="0"/>
+              <a:cs typeface="Courier New" panose="02070309020205020404" pitchFamily="49" charset="0"/>
+            </a:endParaRPr>
           </a:p>
           <a:p>
             <a:endParaRPr lang="en-US" sz="4800" dirty="0">
@@ -3498,7 +3504,7 @@
   <a:extraClrSchemeLst/>
   <a:extLst>
     <a:ext uri="{05A4C25C-085E-4340-85A3-A5531E510DB2}">
-      <thm15:themeFamily xmlns:thm15="http://schemas.microsoft.com/office/thememl/2012/main" xmlns="" name="Office Theme" id="{62F939B6-93AF-4DB8-9C6B-D6C7DFDC589F}" vid="{4A3C46E8-61CC-4603-A589-7422A47A8E4A}"/>
+      <thm15:themeFamily xmlns:thm15="http://schemas.microsoft.com/office/thememl/2012/main" name="Office Theme" id="{62F939B6-93AF-4DB8-9C6B-D6C7DFDC589F}" vid="{4A3C46E8-61CC-4603-A589-7422A47A8E4A}"/>
     </a:ext>
   </a:extLst>
 </a:theme>

--- a/Presentation1.pptx
+++ b/Presentation1.pptx
@@ -6,6 +6,7 @@
   </p:sldMasterIdLst>
   <p:sldIdLst>
     <p:sldId id="258" r:id="rId2"/>
+    <p:sldId id="259" r:id="rId3"/>
   </p:sldIdLst>
   <p:sldSz cx="24377650" cy="13716000"/>
   <p:notesSz cx="6858000" cy="9144000"/>
@@ -104,22 +105,6 @@
       </a:defRPr>
     </a:lvl9pPr>
   </p:defaultTextStyle>
-  <p:extLst>
-    <p:ext uri="{EFAFB233-063F-42B5-8137-9DF3F51BA10A}">
-      <p15:sldGuideLst xmlns:p15="http://schemas.microsoft.com/office/powerpoint/2012/main">
-        <p15:guide id="1" orient="horz" pos="4320">
-          <p15:clr>
-            <a:srgbClr val="A4A3A4"/>
-          </p15:clr>
-        </p15:guide>
-        <p15:guide id="2" pos="7678">
-          <p15:clr>
-            <a:srgbClr val="A4A3A4"/>
-          </p15:clr>
-        </p15:guide>
-      </p15:sldGuideLst>
-    </p:ext>
-  </p:extLst>
 </p:presentation>
 </file>
 
@@ -2982,14 +2967,14 @@
       </p:grpSpPr>
       <p:sp>
         <p:nvSpPr>
-          <p:cNvPr id="2" name="TextBox 1"/>
+          <p:cNvPr id="3" name="TextBox 2"/>
           <p:cNvSpPr txBox="1"/>
           <p:nvPr/>
         </p:nvSpPr>
         <p:spPr>
           <a:xfrm>
-            <a:off x="0" y="3"/>
-            <a:ext cx="24377650" cy="1292662"/>
+            <a:off x="188375" y="158980"/>
+            <a:ext cx="15326984" cy="11172253"/>
           </a:xfrm>
           <a:prstGeom prst="rect">
             <a:avLst/>
@@ -3002,76 +2987,40 @@
           </a:bodyPr>
           <a:lstStyle/>
           <a:p>
-            <a:pPr algn="ctr"/>
-            <a:r>
-              <a:rPr lang="en-US" sz="7200" dirty="0">
+            <a:r>
+              <a:rPr lang="en-US" sz="4200" dirty="0">
+                <a:latin typeface="Courier New" panose="02070309020205020404" pitchFamily="49" charset="0"/>
+                <a:cs typeface="Courier New" panose="02070309020205020404" pitchFamily="49" charset="0"/>
+              </a:rPr>
+              <a:t>Press 1 to upgrade </a:t>
+            </a:r>
+            <a:r>
+              <a:rPr lang="en-US" sz="4200" dirty="0">
                 <a:solidFill>
                   <a:srgbClr val="00B0F0"/>
                 </a:solidFill>
                 <a:latin typeface="Courier New" panose="02070309020205020404" pitchFamily="49" charset="0"/>
                 <a:cs typeface="Courier New" panose="02070309020205020404" pitchFamily="49" charset="0"/>
               </a:rPr>
-              <a:t>&lt;GAME TITLE&gt;</a:t>
-            </a:r>
-          </a:p>
-        </p:txBody>
-      </p:sp>
-      <p:sp>
-        <p:nvSpPr>
-          <p:cNvPr id="3" name="TextBox 2"/>
-          <p:cNvSpPr txBox="1"/>
-          <p:nvPr/>
-        </p:nvSpPr>
-        <p:spPr>
-          <a:xfrm>
-            <a:off x="188375" y="1130530"/>
-            <a:ext cx="9886650" cy="9787258"/>
-          </a:xfrm>
-          <a:prstGeom prst="rect">
-            <a:avLst/>
-          </a:prstGeom>
-          <a:noFill/>
-        </p:spPr>
-        <p:txBody>
-          <a:bodyPr wrap="square" lIns="182843" tIns="91422" rIns="182843" bIns="91422" rtlCol="0">
-            <a:spAutoFit/>
-          </a:bodyPr>
-          <a:lstStyle/>
-          <a:p>
-            <a:r>
-              <a:rPr lang="en-US" sz="4800" dirty="0">
-                <a:latin typeface="Courier New" panose="02070309020205020404" pitchFamily="49" charset="0"/>
-                <a:cs typeface="Courier New" panose="02070309020205020404" pitchFamily="49" charset="0"/>
-              </a:rPr>
-              <a:t>Press 1 to upgrade </a:t>
-            </a:r>
-            <a:r>
-              <a:rPr lang="en-US" sz="4800" dirty="0">
-                <a:solidFill>
-                  <a:srgbClr val="0070C0"/>
-                </a:solidFill>
-                <a:latin typeface="Courier New" panose="02070309020205020404" pitchFamily="49" charset="0"/>
-                <a:cs typeface="Courier New" panose="02070309020205020404" pitchFamily="49" charset="0"/>
-              </a:rPr>
               <a:t>size</a:t>
             </a:r>
           </a:p>
           <a:p>
-            <a:endParaRPr lang="en-US" sz="4800" dirty="0">
+            <a:endParaRPr lang="en-US" sz="4200" dirty="0">
               <a:latin typeface="Courier New" panose="02070309020205020404" pitchFamily="49" charset="0"/>
               <a:cs typeface="Courier New" panose="02070309020205020404" pitchFamily="49" charset="0"/>
             </a:endParaRPr>
           </a:p>
           <a:p>
             <a:r>
-              <a:rPr lang="en-US" sz="4800" dirty="0">
+              <a:rPr lang="en-US" sz="4200" dirty="0">
                 <a:latin typeface="Courier New" panose="02070309020205020404" pitchFamily="49" charset="0"/>
                 <a:cs typeface="Courier New" panose="02070309020205020404" pitchFamily="49" charset="0"/>
               </a:rPr>
               <a:t>Press 2 to upgrade </a:t>
             </a:r>
             <a:r>
-              <a:rPr lang="en-US" sz="4800" dirty="0">
+              <a:rPr lang="en-US" sz="4200" dirty="0">
                 <a:solidFill>
                   <a:srgbClr val="00B050"/>
                 </a:solidFill>
@@ -3082,21 +3031,21 @@
             </a:r>
           </a:p>
           <a:p>
-            <a:endParaRPr lang="en-US" sz="4800" dirty="0">
+            <a:endParaRPr lang="en-US" sz="4200" dirty="0">
               <a:latin typeface="Courier New" panose="02070309020205020404" pitchFamily="49" charset="0"/>
               <a:cs typeface="Courier New" panose="02070309020205020404" pitchFamily="49" charset="0"/>
             </a:endParaRPr>
           </a:p>
           <a:p>
             <a:r>
-              <a:rPr lang="en-US" sz="4800" dirty="0">
+              <a:rPr lang="en-US" sz="4200" dirty="0">
                 <a:latin typeface="Courier New" panose="02070309020205020404" pitchFamily="49" charset="0"/>
                 <a:cs typeface="Courier New" panose="02070309020205020404" pitchFamily="49" charset="0"/>
               </a:rPr>
               <a:t>Press 3 to upgrade </a:t>
             </a:r>
             <a:r>
-              <a:rPr lang="en-US" sz="4800" dirty="0">
+              <a:rPr lang="en-US" sz="4200" dirty="0">
                 <a:solidFill>
                   <a:srgbClr val="FFFF00"/>
                 </a:solidFill>
@@ -3107,28 +3056,21 @@
             </a:r>
           </a:p>
           <a:p>
-            <a:endParaRPr lang="en-US" sz="4800" dirty="0">
+            <a:endParaRPr lang="en-US" sz="4200" dirty="0">
               <a:latin typeface="Courier New" panose="02070309020205020404" pitchFamily="49" charset="0"/>
               <a:cs typeface="Courier New" panose="02070309020205020404" pitchFamily="49" charset="0"/>
             </a:endParaRPr>
           </a:p>
           <a:p>
             <a:r>
-              <a:rPr lang="en-US" sz="4800" dirty="0">
+              <a:rPr lang="en-US" sz="4200" dirty="0">
                 <a:latin typeface="Courier New" panose="02070309020205020404" pitchFamily="49" charset="0"/>
                 <a:cs typeface="Courier New" panose="02070309020205020404" pitchFamily="49" charset="0"/>
               </a:rPr>
-              <a:t>Press 4 to </a:t>
-            </a:r>
-            <a:r>
-              <a:rPr lang="en-US" sz="4800" dirty="0" smtClean="0">
-                <a:latin typeface="Courier New" panose="02070309020205020404" pitchFamily="49" charset="0"/>
-                <a:cs typeface="Courier New" panose="02070309020205020404" pitchFamily="49" charset="0"/>
-              </a:rPr>
-              <a:t>buy </a:t>
-            </a:r>
-            <a:r>
-              <a:rPr lang="en-US" sz="4800" dirty="0" smtClean="0">
+              <a:t>Press 4 to buy </a:t>
+            </a:r>
+            <a:r>
+              <a:rPr lang="en-US" sz="4200" dirty="0">
                 <a:solidFill>
                   <a:srgbClr val="C00000"/>
                 </a:solidFill>
@@ -3137,7 +3079,26 @@
               </a:rPr>
               <a:t>gun</a:t>
             </a:r>
-            <a:endParaRPr lang="en-US" sz="4800" dirty="0">
+            <a:r>
+              <a:rPr lang="en-US" sz="4200" dirty="0">
+                <a:latin typeface="Courier New" panose="02070309020205020404" pitchFamily="49" charset="0"/>
+                <a:cs typeface="Courier New" panose="02070309020205020404" pitchFamily="49" charset="0"/>
+              </a:rPr>
+              <a:t> / </a:t>
+            </a:r>
+            <a:r>
+              <a:rPr lang="en-US" sz="4200" dirty="0" smtClean="0">
+                <a:solidFill>
+                  <a:srgbClr val="C00000"/>
+                </a:solidFill>
+                <a:latin typeface="Courier New" panose="02070309020205020404" pitchFamily="49" charset="0"/>
+                <a:cs typeface="Courier New" panose="02070309020205020404" pitchFamily="49" charset="0"/>
+              </a:rPr>
+              <a:t>ammo</a:t>
+            </a:r>
+          </a:p>
+          <a:p>
+            <a:endParaRPr lang="en-US" sz="4200" dirty="0">
               <a:solidFill>
                 <a:srgbClr val="C00000"/>
               </a:solidFill>
@@ -3146,14 +3107,42 @@
             </a:endParaRPr>
           </a:p>
           <a:p>
-            <a:endParaRPr lang="en-US" sz="4800" dirty="0">
+            <a:r>
+              <a:rPr lang="en-US" sz="4200" dirty="0" smtClean="0">
+                <a:latin typeface="Courier New" panose="02070309020205020404" pitchFamily="49" charset="0"/>
+                <a:cs typeface="Courier New" panose="02070309020205020404" pitchFamily="49" charset="0"/>
+              </a:rPr>
+              <a:t>Collect    for 10 coins</a:t>
+            </a:r>
+          </a:p>
+          <a:p>
+            <a:endParaRPr lang="en-US" sz="4200" dirty="0">
               <a:latin typeface="Courier New" panose="02070309020205020404" pitchFamily="49" charset="0"/>
               <a:cs typeface="Courier New" panose="02070309020205020404" pitchFamily="49" charset="0"/>
             </a:endParaRPr>
           </a:p>
           <a:p>
             <a:r>
-              <a:rPr lang="en-US" sz="4800" dirty="0">
+              <a:rPr lang="en-US" sz="4200" dirty="0" smtClean="0">
+                <a:latin typeface="Courier New" panose="02070309020205020404" pitchFamily="49" charset="0"/>
+                <a:cs typeface="Courier New" panose="02070309020205020404" pitchFamily="49" charset="0"/>
+              </a:rPr>
+              <a:t>Don’t touch the void</a:t>
+            </a:r>
+            <a:endParaRPr lang="en-US" sz="4200" dirty="0">
+              <a:latin typeface="Courier New" panose="02070309020205020404" pitchFamily="49" charset="0"/>
+              <a:cs typeface="Courier New" panose="02070309020205020404" pitchFamily="49" charset="0"/>
+            </a:endParaRPr>
+          </a:p>
+          <a:p>
+            <a:endParaRPr lang="en-US" sz="4200" dirty="0">
+              <a:latin typeface="Courier New" panose="02070309020205020404" pitchFamily="49" charset="0"/>
+              <a:cs typeface="Courier New" panose="02070309020205020404" pitchFamily="49" charset="0"/>
+            </a:endParaRPr>
+          </a:p>
+          <a:p>
+            <a:r>
+              <a:rPr lang="en-US" sz="4200" dirty="0">
                 <a:latin typeface="Courier New" panose="02070309020205020404" pitchFamily="49" charset="0"/>
                 <a:cs typeface="Courier New" panose="02070309020205020404" pitchFamily="49" charset="0"/>
               </a:rPr>
@@ -3161,14 +3150,14 @@
             </a:r>
           </a:p>
           <a:p>
-            <a:endParaRPr lang="en-US" sz="4800" dirty="0">
+            <a:endParaRPr lang="en-US" sz="4200" dirty="0">
               <a:latin typeface="Courier New" panose="02070309020205020404" pitchFamily="49" charset="0"/>
               <a:cs typeface="Courier New" panose="02070309020205020404" pitchFamily="49" charset="0"/>
             </a:endParaRPr>
           </a:p>
           <a:p>
             <a:r>
-              <a:rPr lang="en-US" sz="4800" dirty="0">
+              <a:rPr lang="en-US" sz="4200" dirty="0">
                 <a:latin typeface="Courier New" panose="02070309020205020404" pitchFamily="49" charset="0"/>
                 <a:cs typeface="Courier New" panose="02070309020205020404" pitchFamily="49" charset="0"/>
               </a:rPr>
@@ -3176,14 +3165,14 @@
             </a:r>
           </a:p>
           <a:p>
-            <a:endParaRPr lang="en-US" sz="4800" dirty="0">
+            <a:endParaRPr lang="en-US" sz="4200" dirty="0">
               <a:latin typeface="Courier New" panose="02070309020205020404" pitchFamily="49" charset="0"/>
               <a:cs typeface="Courier New" panose="02070309020205020404" pitchFamily="49" charset="0"/>
             </a:endParaRPr>
           </a:p>
           <a:p>
             <a:r>
-              <a:rPr lang="en-US" sz="4800" dirty="0">
+              <a:rPr lang="en-US" sz="4200" dirty="0">
                 <a:latin typeface="Courier New" panose="02070309020205020404" pitchFamily="49" charset="0"/>
                 <a:cs typeface="Courier New" panose="02070309020205020404" pitchFamily="49" charset="0"/>
               </a:rPr>
@@ -3233,6 +3222,85 @@
     <p:extLst>
       <p:ext uri="{BB962C8B-B14F-4D97-AF65-F5344CB8AC3E}">
         <p14:creationId xmlns:p14="http://schemas.microsoft.com/office/powerpoint/2010/main" val="4012786964"/>
+      </p:ext>
+    </p:extLst>
+  </p:cSld>
+  <p:clrMapOvr>
+    <a:masterClrMapping/>
+  </p:clrMapOvr>
+  <p:timing>
+    <p:tnLst>
+      <p:par>
+        <p:cTn id="1" dur="indefinite" restart="never" nodeType="tmRoot"/>
+      </p:par>
+    </p:tnLst>
+  </p:timing>
+</p:sld>
+</file>
+
+<file path=ppt/slides/slide2.xml><?xml version="1.0" encoding="utf-8"?>
+<p:sld xmlns:a="http://schemas.openxmlformats.org/drawingml/2006/main" xmlns:r="http://schemas.openxmlformats.org/officeDocument/2006/relationships" xmlns:p="http://schemas.openxmlformats.org/presentationml/2006/main">
+  <p:cSld>
+    <p:spTree>
+      <p:nvGrpSpPr>
+        <p:cNvPr id="1" name=""/>
+        <p:cNvGrpSpPr/>
+        <p:nvPr/>
+      </p:nvGrpSpPr>
+      <p:grpSpPr>
+        <a:xfrm>
+          <a:off x="0" y="0"/>
+          <a:ext cx="0" cy="0"/>
+          <a:chOff x="0" y="0"/>
+          <a:chExt cx="0" cy="0"/>
+        </a:xfrm>
+      </p:grpSpPr>
+      <p:sp>
+        <p:nvSpPr>
+          <p:cNvPr id="2" name="TextBox 1"/>
+          <p:cNvSpPr txBox="1"/>
+          <p:nvPr/>
+        </p:nvSpPr>
+        <p:spPr>
+          <a:xfrm>
+            <a:off x="0" y="12134850"/>
+            <a:ext cx="24377650" cy="646331"/>
+          </a:xfrm>
+          <a:prstGeom prst="rect">
+            <a:avLst/>
+          </a:prstGeom>
+          <a:noFill/>
+        </p:spPr>
+        <p:txBody>
+          <a:bodyPr wrap="square" rtlCol="0">
+            <a:spAutoFit/>
+          </a:bodyPr>
+          <a:lstStyle/>
+          <a:p>
+            <a:r>
+              <a:rPr lang="en-US" dirty="0" smtClean="0"/>
+              <a:t>1 for </a:t>
+            </a:r>
+            <a:r>
+              <a:rPr lang="en-US" dirty="0" smtClean="0">
+                <a:solidFill>
+                  <a:srgbClr val="0070C0"/>
+                </a:solidFill>
+              </a:rPr>
+              <a:t>Size</a:t>
+            </a:r>
+            <a:r>
+              <a:rPr lang="en-US" dirty="0" smtClean="0"/>
+              <a:t>           2 for Speed          3 for Income          4 for Gun</a:t>
+            </a:r>
+            <a:endParaRPr lang="en-US" dirty="0"/>
+          </a:p>
+        </p:txBody>
+      </p:sp>
+    </p:spTree>
+    <p:extLst>
+      <p:ext uri="{BB962C8B-B14F-4D97-AF65-F5344CB8AC3E}">
+        <p14:creationId xmlns:p14="http://schemas.microsoft.com/office/powerpoint/2010/main" val="343240303"/>
       </p:ext>
     </p:extLst>
   </p:cSld>
@@ -3504,7 +3572,7 @@
   <a:extraClrSchemeLst/>
   <a:extLst>
     <a:ext uri="{05A4C25C-085E-4340-85A3-A5531E510DB2}">
-      <thm15:themeFamily xmlns:thm15="http://schemas.microsoft.com/office/thememl/2012/main" name="Office Theme" id="{62F939B6-93AF-4DB8-9C6B-D6C7DFDC589F}" vid="{4A3C46E8-61CC-4603-A589-7422A47A8E4A}"/>
+      <thm15:themeFamily xmlns="" xmlns:thm15="http://schemas.microsoft.com/office/thememl/2012/main" name="Office Theme" id="{62F939B6-93AF-4DB8-9C6B-D6C7DFDC589F}" vid="{4A3C46E8-61CC-4603-A589-7422A47A8E4A}"/>
     </a:ext>
   </a:extLst>
 </a:theme>

--- a/Presentation1.pptx
+++ b/Presentation1.pptx
@@ -3263,8 +3263,8 @@
         </p:nvSpPr>
         <p:spPr>
           <a:xfrm>
-            <a:off x="0" y="12134850"/>
-            <a:ext cx="24377650" cy="646331"/>
+            <a:off x="0" y="12849373"/>
+            <a:ext cx="24377650" cy="707886"/>
           </a:xfrm>
           <a:prstGeom prst="rect">
             <a:avLst/>
@@ -3278,22 +3278,80 @@
           <a:lstStyle/>
           <a:p>
             <a:r>
-              <a:rPr lang="en-US" dirty="0" smtClean="0"/>
+              <a:rPr lang="en-US" sz="4000" dirty="0" smtClean="0">
+                <a:latin typeface="Courier New" panose="02070309020205020404" pitchFamily="49" charset="0"/>
+                <a:cs typeface="Courier New" panose="02070309020205020404" pitchFamily="49" charset="0"/>
+              </a:rPr>
               <a:t>1 for </a:t>
             </a:r>
             <a:r>
-              <a:rPr lang="en-US" dirty="0" smtClean="0">
+              <a:rPr lang="en-US" sz="4000" dirty="0" smtClean="0">
                 <a:solidFill>
                   <a:srgbClr val="0070C0"/>
                 </a:solidFill>
+                <a:latin typeface="Courier New" panose="02070309020205020404" pitchFamily="49" charset="0"/>
+                <a:cs typeface="Courier New" panose="02070309020205020404" pitchFamily="49" charset="0"/>
               </a:rPr>
               <a:t>Size</a:t>
             </a:r>
             <a:r>
-              <a:rPr lang="en-US" dirty="0" smtClean="0"/>
-              <a:t>           2 for Speed          3 for Income          4 for Gun</a:t>
-            </a:r>
-            <a:endParaRPr lang="en-US" dirty="0"/>
+              <a:rPr lang="en-US" sz="4000" dirty="0" smtClean="0">
+                <a:latin typeface="Courier New" panose="02070309020205020404" pitchFamily="49" charset="0"/>
+                <a:cs typeface="Courier New" panose="02070309020205020404" pitchFamily="49" charset="0"/>
+              </a:rPr>
+              <a:t>           2 for </a:t>
+            </a:r>
+            <a:r>
+              <a:rPr lang="en-US" sz="4000" dirty="0" smtClean="0">
+                <a:solidFill>
+                  <a:srgbClr val="00B050"/>
+                </a:solidFill>
+                <a:latin typeface="Courier New" panose="02070309020205020404" pitchFamily="49" charset="0"/>
+                <a:cs typeface="Courier New" panose="02070309020205020404" pitchFamily="49" charset="0"/>
+              </a:rPr>
+              <a:t>Speed</a:t>
+            </a:r>
+            <a:r>
+              <a:rPr lang="en-US" sz="4000" dirty="0" smtClean="0">
+                <a:latin typeface="Courier New" panose="02070309020205020404" pitchFamily="49" charset="0"/>
+                <a:cs typeface="Courier New" panose="02070309020205020404" pitchFamily="49" charset="0"/>
+              </a:rPr>
+              <a:t>          3 for </a:t>
+            </a:r>
+            <a:r>
+              <a:rPr lang="en-US" sz="4000" dirty="0" smtClean="0">
+                <a:solidFill>
+                  <a:srgbClr val="FFFF00"/>
+                </a:solidFill>
+                <a:latin typeface="Courier New" panose="02070309020205020404" pitchFamily="49" charset="0"/>
+                <a:cs typeface="Courier New" panose="02070309020205020404" pitchFamily="49" charset="0"/>
+              </a:rPr>
+              <a:t>Income</a:t>
+            </a:r>
+            <a:r>
+              <a:rPr lang="en-US" sz="4000" dirty="0" smtClean="0">
+                <a:latin typeface="Courier New" panose="02070309020205020404" pitchFamily="49" charset="0"/>
+                <a:cs typeface="Courier New" panose="02070309020205020404" pitchFamily="49" charset="0"/>
+              </a:rPr>
+              <a:t>          4 for </a:t>
+            </a:r>
+            <a:r>
+              <a:rPr lang="en-US" sz="4000" dirty="0" smtClean="0">
+                <a:solidFill>
+                  <a:srgbClr val="FF0000"/>
+                </a:solidFill>
+                <a:latin typeface="Courier New" panose="02070309020205020404" pitchFamily="49" charset="0"/>
+                <a:cs typeface="Courier New" panose="02070309020205020404" pitchFamily="49" charset="0"/>
+              </a:rPr>
+              <a:t>Gun</a:t>
+            </a:r>
+            <a:endParaRPr lang="en-US" sz="4000" dirty="0">
+              <a:solidFill>
+                <a:srgbClr val="FF0000"/>
+              </a:solidFill>
+              <a:latin typeface="Courier New" panose="02070309020205020404" pitchFamily="49" charset="0"/>
+              <a:cs typeface="Courier New" panose="02070309020205020404" pitchFamily="49" charset="0"/>
+            </a:endParaRPr>
           </a:p>
         </p:txBody>
       </p:sp>

--- a/Presentation1.pptx
+++ b/Presentation1.pptx
@@ -6,7 +6,6 @@
   </p:sldMasterIdLst>
   <p:sldIdLst>
     <p:sldId id="258" r:id="rId2"/>
-    <p:sldId id="259" r:id="rId3"/>
   </p:sldIdLst>
   <p:sldSz cx="24377650" cy="13716000"/>
   <p:notesSz cx="6858000" cy="9144000"/>
@@ -105,6 +104,22 @@
       </a:defRPr>
     </a:lvl9pPr>
   </p:defaultTextStyle>
+  <p:extLst>
+    <p:ext uri="{EFAFB233-063F-42B5-8137-9DF3F51BA10A}">
+      <p15:sldGuideLst xmlns:p15="http://schemas.microsoft.com/office/powerpoint/2012/main">
+        <p15:guide id="1" orient="horz" pos="4320">
+          <p15:clr>
+            <a:srgbClr val="A4A3A4"/>
+          </p15:clr>
+        </p15:guide>
+        <p15:guide id="2" pos="7678">
+          <p15:clr>
+            <a:srgbClr val="A4A3A4"/>
+          </p15:clr>
+        </p15:guide>
+      </p15:sldGuideLst>
+    </p:ext>
+  </p:extLst>
 </p:presentation>
 </file>
 
@@ -2967,14 +2982,14 @@
       </p:grpSpPr>
       <p:sp>
         <p:nvSpPr>
-          <p:cNvPr id="3" name="TextBox 2"/>
+          <p:cNvPr id="2" name="TextBox 1"/>
           <p:cNvSpPr txBox="1"/>
           <p:nvPr/>
         </p:nvSpPr>
         <p:spPr>
           <a:xfrm>
-            <a:off x="188375" y="158980"/>
-            <a:ext cx="15326984" cy="11172253"/>
+            <a:off x="0" y="3"/>
+            <a:ext cx="24377650" cy="1292662"/>
           </a:xfrm>
           <a:prstGeom prst="rect">
             <a:avLst/>
@@ -2987,40 +3002,76 @@
           </a:bodyPr>
           <a:lstStyle/>
           <a:p>
-            <a:r>
-              <a:rPr lang="en-US" sz="4200" dirty="0">
-                <a:latin typeface="Courier New" panose="02070309020205020404" pitchFamily="49" charset="0"/>
-                <a:cs typeface="Courier New" panose="02070309020205020404" pitchFamily="49" charset="0"/>
-              </a:rPr>
-              <a:t>Press 1 to upgrade </a:t>
-            </a:r>
-            <a:r>
-              <a:rPr lang="en-US" sz="4200" dirty="0">
+            <a:pPr algn="ctr"/>
+            <a:r>
+              <a:rPr lang="en-US" sz="7200" dirty="0">
                 <a:solidFill>
                   <a:srgbClr val="00B0F0"/>
                 </a:solidFill>
                 <a:latin typeface="Courier New" panose="02070309020205020404" pitchFamily="49" charset="0"/>
                 <a:cs typeface="Courier New" panose="02070309020205020404" pitchFamily="49" charset="0"/>
               </a:rPr>
+              <a:t>&lt;GAME TITLE&gt;</a:t>
+            </a:r>
+          </a:p>
+        </p:txBody>
+      </p:sp>
+      <p:sp>
+        <p:nvSpPr>
+          <p:cNvPr id="3" name="TextBox 2"/>
+          <p:cNvSpPr txBox="1"/>
+          <p:nvPr/>
+        </p:nvSpPr>
+        <p:spPr>
+          <a:xfrm>
+            <a:off x="188375" y="1130530"/>
+            <a:ext cx="9886650" cy="9787258"/>
+          </a:xfrm>
+          <a:prstGeom prst="rect">
+            <a:avLst/>
+          </a:prstGeom>
+          <a:noFill/>
+        </p:spPr>
+        <p:txBody>
+          <a:bodyPr wrap="square" lIns="182843" tIns="91422" rIns="182843" bIns="91422" rtlCol="0">
+            <a:spAutoFit/>
+          </a:bodyPr>
+          <a:lstStyle/>
+          <a:p>
+            <a:r>
+              <a:rPr lang="en-US" sz="4800" dirty="0">
+                <a:latin typeface="Courier New" panose="02070309020205020404" pitchFamily="49" charset="0"/>
+                <a:cs typeface="Courier New" panose="02070309020205020404" pitchFamily="49" charset="0"/>
+              </a:rPr>
+              <a:t>Press 1 to upgrade </a:t>
+            </a:r>
+            <a:r>
+              <a:rPr lang="en-US" sz="4800" dirty="0">
+                <a:solidFill>
+                  <a:srgbClr val="0070C0"/>
+                </a:solidFill>
+                <a:latin typeface="Courier New" panose="02070309020205020404" pitchFamily="49" charset="0"/>
+                <a:cs typeface="Courier New" panose="02070309020205020404" pitchFamily="49" charset="0"/>
+              </a:rPr>
               <a:t>size</a:t>
             </a:r>
           </a:p>
           <a:p>
-            <a:endParaRPr lang="en-US" sz="4200" dirty="0">
+            <a:endParaRPr lang="en-US" sz="4800" dirty="0">
               <a:latin typeface="Courier New" panose="02070309020205020404" pitchFamily="49" charset="0"/>
               <a:cs typeface="Courier New" panose="02070309020205020404" pitchFamily="49" charset="0"/>
             </a:endParaRPr>
           </a:p>
           <a:p>
             <a:r>
-              <a:rPr lang="en-US" sz="4200" dirty="0">
+              <a:rPr lang="en-US" sz="4800" dirty="0">
                 <a:latin typeface="Courier New" panose="02070309020205020404" pitchFamily="49" charset="0"/>
                 <a:cs typeface="Courier New" panose="02070309020205020404" pitchFamily="49" charset="0"/>
               </a:rPr>
               <a:t>Press 2 to upgrade </a:t>
             </a:r>
             <a:r>
-              <a:rPr lang="en-US" sz="4200" dirty="0">
+              <a:rPr lang="en-US" sz="4800" dirty="0">
                 <a:solidFill>
                   <a:srgbClr val="00B050"/>
                 </a:solidFill>
@@ -3031,21 +3082,21 @@
             </a:r>
           </a:p>
           <a:p>
-            <a:endParaRPr lang="en-US" sz="4200" dirty="0">
+            <a:endParaRPr lang="en-US" sz="4800" dirty="0">
               <a:latin typeface="Courier New" panose="02070309020205020404" pitchFamily="49" charset="0"/>
               <a:cs typeface="Courier New" panose="02070309020205020404" pitchFamily="49" charset="0"/>
             </a:endParaRPr>
           </a:p>
           <a:p>
             <a:r>
-              <a:rPr lang="en-US" sz="4200" dirty="0">
+              <a:rPr lang="en-US" sz="4800" dirty="0">
                 <a:latin typeface="Courier New" panose="02070309020205020404" pitchFamily="49" charset="0"/>
                 <a:cs typeface="Courier New" panose="02070309020205020404" pitchFamily="49" charset="0"/>
               </a:rPr>
               <a:t>Press 3 to upgrade </a:t>
             </a:r>
             <a:r>
-              <a:rPr lang="en-US" sz="4200" dirty="0">
+              <a:rPr lang="en-US" sz="4800" dirty="0">
                 <a:solidFill>
                   <a:srgbClr val="FFFF00"/>
                 </a:solidFill>
@@ -3056,21 +3107,28 @@
             </a:r>
           </a:p>
           <a:p>
-            <a:endParaRPr lang="en-US" sz="4200" dirty="0">
+            <a:endParaRPr lang="en-US" sz="4800" dirty="0">
               <a:latin typeface="Courier New" panose="02070309020205020404" pitchFamily="49" charset="0"/>
               <a:cs typeface="Courier New" panose="02070309020205020404" pitchFamily="49" charset="0"/>
             </a:endParaRPr>
           </a:p>
           <a:p>
             <a:r>
-              <a:rPr lang="en-US" sz="4200" dirty="0">
+              <a:rPr lang="en-US" sz="4800" dirty="0">
                 <a:latin typeface="Courier New" panose="02070309020205020404" pitchFamily="49" charset="0"/>
                 <a:cs typeface="Courier New" panose="02070309020205020404" pitchFamily="49" charset="0"/>
               </a:rPr>
-              <a:t>Press 4 to buy </a:t>
-            </a:r>
-            <a:r>
-              <a:rPr lang="en-US" sz="4200" dirty="0">
+              <a:t>Press 4 to </a:t>
+            </a:r>
+            <a:r>
+              <a:rPr lang="en-US" sz="4800" dirty="0" smtClean="0">
+                <a:latin typeface="Courier New" panose="02070309020205020404" pitchFamily="49" charset="0"/>
+                <a:cs typeface="Courier New" panose="02070309020205020404" pitchFamily="49" charset="0"/>
+              </a:rPr>
+              <a:t>buy </a:t>
+            </a:r>
+            <a:r>
+              <a:rPr lang="en-US" sz="4800" dirty="0" smtClean="0">
                 <a:solidFill>
                   <a:srgbClr val="C00000"/>
                 </a:solidFill>
@@ -3079,26 +3137,7 @@
               </a:rPr>
               <a:t>gun</a:t>
             </a:r>
-            <a:r>
-              <a:rPr lang="en-US" sz="4200" dirty="0">
-                <a:latin typeface="Courier New" panose="02070309020205020404" pitchFamily="49" charset="0"/>
-                <a:cs typeface="Courier New" panose="02070309020205020404" pitchFamily="49" charset="0"/>
-              </a:rPr>
-              <a:t> / </a:t>
-            </a:r>
-            <a:r>
-              <a:rPr lang="en-US" sz="4200" dirty="0" smtClean="0">
-                <a:solidFill>
-                  <a:srgbClr val="C00000"/>
-                </a:solidFill>
-                <a:latin typeface="Courier New" panose="02070309020205020404" pitchFamily="49" charset="0"/>
-                <a:cs typeface="Courier New" panose="02070309020205020404" pitchFamily="49" charset="0"/>
-              </a:rPr>
-              <a:t>ammo</a:t>
-            </a:r>
-          </a:p>
-          <a:p>
-            <a:endParaRPr lang="en-US" sz="4200" dirty="0">
+            <a:endParaRPr lang="en-US" sz="4800" dirty="0">
               <a:solidFill>
                 <a:srgbClr val="C00000"/>
               </a:solidFill>
@@ -3107,42 +3146,14 @@
             </a:endParaRPr>
           </a:p>
           <a:p>
-            <a:r>
-              <a:rPr lang="en-US" sz="4200" dirty="0" smtClean="0">
-                <a:latin typeface="Courier New" panose="02070309020205020404" pitchFamily="49" charset="0"/>
-                <a:cs typeface="Courier New" panose="02070309020205020404" pitchFamily="49" charset="0"/>
-              </a:rPr>
-              <a:t>Collect    for 10 coins</a:t>
-            </a:r>
-          </a:p>
-          <a:p>
-            <a:endParaRPr lang="en-US" sz="4200" dirty="0">
+            <a:endParaRPr lang="en-US" sz="4800" dirty="0">
               <a:latin typeface="Courier New" panose="02070309020205020404" pitchFamily="49" charset="0"/>
               <a:cs typeface="Courier New" panose="02070309020205020404" pitchFamily="49" charset="0"/>
             </a:endParaRPr>
           </a:p>
           <a:p>
             <a:r>
-              <a:rPr lang="en-US" sz="4200" dirty="0" smtClean="0">
-                <a:latin typeface="Courier New" panose="02070309020205020404" pitchFamily="49" charset="0"/>
-                <a:cs typeface="Courier New" panose="02070309020205020404" pitchFamily="49" charset="0"/>
-              </a:rPr>
-              <a:t>Don’t touch the void</a:t>
-            </a:r>
-            <a:endParaRPr lang="en-US" sz="4200" dirty="0">
-              <a:latin typeface="Courier New" panose="02070309020205020404" pitchFamily="49" charset="0"/>
-              <a:cs typeface="Courier New" panose="02070309020205020404" pitchFamily="49" charset="0"/>
-            </a:endParaRPr>
-          </a:p>
-          <a:p>
-            <a:endParaRPr lang="en-US" sz="4200" dirty="0">
-              <a:latin typeface="Courier New" panose="02070309020205020404" pitchFamily="49" charset="0"/>
-              <a:cs typeface="Courier New" panose="02070309020205020404" pitchFamily="49" charset="0"/>
-            </a:endParaRPr>
-          </a:p>
-          <a:p>
-            <a:r>
-              <a:rPr lang="en-US" sz="4200" dirty="0">
+              <a:rPr lang="en-US" sz="4800" dirty="0">
                 <a:latin typeface="Courier New" panose="02070309020205020404" pitchFamily="49" charset="0"/>
                 <a:cs typeface="Courier New" panose="02070309020205020404" pitchFamily="49" charset="0"/>
               </a:rPr>
@@ -3150,14 +3161,14 @@
             </a:r>
           </a:p>
           <a:p>
-            <a:endParaRPr lang="en-US" sz="4200" dirty="0">
+            <a:endParaRPr lang="en-US" sz="4800" dirty="0">
               <a:latin typeface="Courier New" panose="02070309020205020404" pitchFamily="49" charset="0"/>
               <a:cs typeface="Courier New" panose="02070309020205020404" pitchFamily="49" charset="0"/>
             </a:endParaRPr>
           </a:p>
           <a:p>
             <a:r>
-              <a:rPr lang="en-US" sz="4200" dirty="0">
+              <a:rPr lang="en-US" sz="4800" dirty="0">
                 <a:latin typeface="Courier New" panose="02070309020205020404" pitchFamily="49" charset="0"/>
                 <a:cs typeface="Courier New" panose="02070309020205020404" pitchFamily="49" charset="0"/>
               </a:rPr>
@@ -3165,14 +3176,14 @@
             </a:r>
           </a:p>
           <a:p>
-            <a:endParaRPr lang="en-US" sz="4200" dirty="0">
+            <a:endParaRPr lang="en-US" sz="4800" dirty="0">
               <a:latin typeface="Courier New" panose="02070309020205020404" pitchFamily="49" charset="0"/>
               <a:cs typeface="Courier New" panose="02070309020205020404" pitchFamily="49" charset="0"/>
             </a:endParaRPr>
           </a:p>
           <a:p>
             <a:r>
-              <a:rPr lang="en-US" sz="4200" dirty="0">
+              <a:rPr lang="en-US" sz="4800" dirty="0">
                 <a:latin typeface="Courier New" panose="02070309020205020404" pitchFamily="49" charset="0"/>
                 <a:cs typeface="Courier New" panose="02070309020205020404" pitchFamily="49" charset="0"/>
               </a:rPr>
@@ -3222,143 +3233,6 @@
     <p:extLst>
       <p:ext uri="{BB962C8B-B14F-4D97-AF65-F5344CB8AC3E}">
         <p14:creationId xmlns:p14="http://schemas.microsoft.com/office/powerpoint/2010/main" val="4012786964"/>
-      </p:ext>
-    </p:extLst>
-  </p:cSld>
-  <p:clrMapOvr>
-    <a:masterClrMapping/>
-  </p:clrMapOvr>
-  <p:timing>
-    <p:tnLst>
-      <p:par>
-        <p:cTn id="1" dur="indefinite" restart="never" nodeType="tmRoot"/>
-      </p:par>
-    </p:tnLst>
-  </p:timing>
-</p:sld>
-</file>
-
-<file path=ppt/slides/slide2.xml><?xml version="1.0" encoding="utf-8"?>
-<p:sld xmlns:a="http://schemas.openxmlformats.org/drawingml/2006/main" xmlns:r="http://schemas.openxmlformats.org/officeDocument/2006/relationships" xmlns:p="http://schemas.openxmlformats.org/presentationml/2006/main">
-  <p:cSld>
-    <p:spTree>
-      <p:nvGrpSpPr>
-        <p:cNvPr id="1" name=""/>
-        <p:cNvGrpSpPr/>
-        <p:nvPr/>
-      </p:nvGrpSpPr>
-      <p:grpSpPr>
-        <a:xfrm>
-          <a:off x="0" y="0"/>
-          <a:ext cx="0" cy="0"/>
-          <a:chOff x="0" y="0"/>
-          <a:chExt cx="0" cy="0"/>
-        </a:xfrm>
-      </p:grpSpPr>
-      <p:sp>
-        <p:nvSpPr>
-          <p:cNvPr id="2" name="TextBox 1"/>
-          <p:cNvSpPr txBox="1"/>
-          <p:nvPr/>
-        </p:nvSpPr>
-        <p:spPr>
-          <a:xfrm>
-            <a:off x="0" y="12849373"/>
-            <a:ext cx="24377650" cy="707886"/>
-          </a:xfrm>
-          <a:prstGeom prst="rect">
-            <a:avLst/>
-          </a:prstGeom>
-          <a:noFill/>
-        </p:spPr>
-        <p:txBody>
-          <a:bodyPr wrap="square" rtlCol="0">
-            <a:spAutoFit/>
-          </a:bodyPr>
-          <a:lstStyle/>
-          <a:p>
-            <a:r>
-              <a:rPr lang="en-US" sz="4000" dirty="0" smtClean="0">
-                <a:latin typeface="Courier New" panose="02070309020205020404" pitchFamily="49" charset="0"/>
-                <a:cs typeface="Courier New" panose="02070309020205020404" pitchFamily="49" charset="0"/>
-              </a:rPr>
-              <a:t>1 for </a:t>
-            </a:r>
-            <a:r>
-              <a:rPr lang="en-US" sz="4000" dirty="0" smtClean="0">
-                <a:solidFill>
-                  <a:srgbClr val="0070C0"/>
-                </a:solidFill>
-                <a:latin typeface="Courier New" panose="02070309020205020404" pitchFamily="49" charset="0"/>
-                <a:cs typeface="Courier New" panose="02070309020205020404" pitchFamily="49" charset="0"/>
-              </a:rPr>
-              <a:t>Size</a:t>
-            </a:r>
-            <a:r>
-              <a:rPr lang="en-US" sz="4000" dirty="0" smtClean="0">
-                <a:latin typeface="Courier New" panose="02070309020205020404" pitchFamily="49" charset="0"/>
-                <a:cs typeface="Courier New" panose="02070309020205020404" pitchFamily="49" charset="0"/>
-              </a:rPr>
-              <a:t>           2 for </a:t>
-            </a:r>
-            <a:r>
-              <a:rPr lang="en-US" sz="4000" dirty="0" smtClean="0">
-                <a:solidFill>
-                  <a:srgbClr val="00B050"/>
-                </a:solidFill>
-                <a:latin typeface="Courier New" panose="02070309020205020404" pitchFamily="49" charset="0"/>
-                <a:cs typeface="Courier New" panose="02070309020205020404" pitchFamily="49" charset="0"/>
-              </a:rPr>
-              <a:t>Speed</a:t>
-            </a:r>
-            <a:r>
-              <a:rPr lang="en-US" sz="4000" dirty="0" smtClean="0">
-                <a:latin typeface="Courier New" panose="02070309020205020404" pitchFamily="49" charset="0"/>
-                <a:cs typeface="Courier New" panose="02070309020205020404" pitchFamily="49" charset="0"/>
-              </a:rPr>
-              <a:t>          3 for </a:t>
-            </a:r>
-            <a:r>
-              <a:rPr lang="en-US" sz="4000" dirty="0" smtClean="0">
-                <a:solidFill>
-                  <a:srgbClr val="FFFF00"/>
-                </a:solidFill>
-                <a:latin typeface="Courier New" panose="02070309020205020404" pitchFamily="49" charset="0"/>
-                <a:cs typeface="Courier New" panose="02070309020205020404" pitchFamily="49" charset="0"/>
-              </a:rPr>
-              <a:t>Income</a:t>
-            </a:r>
-            <a:r>
-              <a:rPr lang="en-US" sz="4000" dirty="0" smtClean="0">
-                <a:latin typeface="Courier New" panose="02070309020205020404" pitchFamily="49" charset="0"/>
-                <a:cs typeface="Courier New" panose="02070309020205020404" pitchFamily="49" charset="0"/>
-              </a:rPr>
-              <a:t>          4 for </a:t>
-            </a:r>
-            <a:r>
-              <a:rPr lang="en-US" sz="4000" dirty="0" smtClean="0">
-                <a:solidFill>
-                  <a:srgbClr val="FF0000"/>
-                </a:solidFill>
-                <a:latin typeface="Courier New" panose="02070309020205020404" pitchFamily="49" charset="0"/>
-                <a:cs typeface="Courier New" panose="02070309020205020404" pitchFamily="49" charset="0"/>
-              </a:rPr>
-              <a:t>Gun</a:t>
-            </a:r>
-            <a:endParaRPr lang="en-US" sz="4000" dirty="0">
-              <a:solidFill>
-                <a:srgbClr val="FF0000"/>
-              </a:solidFill>
-              <a:latin typeface="Courier New" panose="02070309020205020404" pitchFamily="49" charset="0"/>
-              <a:cs typeface="Courier New" panose="02070309020205020404" pitchFamily="49" charset="0"/>
-            </a:endParaRPr>
-          </a:p>
-        </p:txBody>
-      </p:sp>
-    </p:spTree>
-    <p:extLst>
-      <p:ext uri="{BB962C8B-B14F-4D97-AF65-F5344CB8AC3E}">
-        <p14:creationId xmlns:p14="http://schemas.microsoft.com/office/powerpoint/2010/main" val="343240303"/>
       </p:ext>
     </p:extLst>
   </p:cSld>
@@ -3630,7 +3504,7 @@
   <a:extraClrSchemeLst/>
   <a:extLst>
     <a:ext uri="{05A4C25C-085E-4340-85A3-A5531E510DB2}">
-      <thm15:themeFamily xmlns="" xmlns:thm15="http://schemas.microsoft.com/office/thememl/2012/main" name="Office Theme" id="{62F939B6-93AF-4DB8-9C6B-D6C7DFDC589F}" vid="{4A3C46E8-61CC-4603-A589-7422A47A8E4A}"/>
+      <thm15:themeFamily xmlns:thm15="http://schemas.microsoft.com/office/thememl/2012/main" name="Office Theme" id="{62F939B6-93AF-4DB8-9C6B-D6C7DFDC589F}" vid="{4A3C46E8-61CC-4603-A589-7422A47A8E4A}"/>
     </a:ext>
   </a:extLst>
 </a:theme>

--- a/Presentation1.pptx
+++ b/Presentation1.pptx
@@ -254,7 +254,7 @@
           <a:p>
             <a:fld id="{27670156-6B0C-42D9-B13D-8CA89364759E}" type="datetimeFigureOut">
               <a:rPr lang="en-US" smtClean="0"/>
-              <a:t>8/3/2017</a:t>
+              <a:t>8/4/2017</a:t>
             </a:fld>
             <a:endParaRPr lang="en-US"/>
           </a:p>
@@ -424,7 +424,7 @@
           <a:p>
             <a:fld id="{27670156-6B0C-42D9-B13D-8CA89364759E}" type="datetimeFigureOut">
               <a:rPr lang="en-US" smtClean="0"/>
-              <a:t>8/3/2017</a:t>
+              <a:t>8/4/2017</a:t>
             </a:fld>
             <a:endParaRPr lang="en-US"/>
           </a:p>
@@ -604,7 +604,7 @@
           <a:p>
             <a:fld id="{27670156-6B0C-42D9-B13D-8CA89364759E}" type="datetimeFigureOut">
               <a:rPr lang="en-US" smtClean="0"/>
-              <a:t>8/3/2017</a:t>
+              <a:t>8/4/2017</a:t>
             </a:fld>
             <a:endParaRPr lang="en-US"/>
           </a:p>
@@ -774,7 +774,7 @@
           <a:p>
             <a:fld id="{27670156-6B0C-42D9-B13D-8CA89364759E}" type="datetimeFigureOut">
               <a:rPr lang="en-US" smtClean="0"/>
-              <a:t>8/3/2017</a:t>
+              <a:t>8/4/2017</a:t>
             </a:fld>
             <a:endParaRPr lang="en-US"/>
           </a:p>
@@ -1020,7 +1020,7 @@
           <a:p>
             <a:fld id="{27670156-6B0C-42D9-B13D-8CA89364759E}" type="datetimeFigureOut">
               <a:rPr lang="en-US" smtClean="0"/>
-              <a:t>8/3/2017</a:t>
+              <a:t>8/4/2017</a:t>
             </a:fld>
             <a:endParaRPr lang="en-US"/>
           </a:p>
@@ -1252,7 +1252,7 @@
           <a:p>
             <a:fld id="{27670156-6B0C-42D9-B13D-8CA89364759E}" type="datetimeFigureOut">
               <a:rPr lang="en-US" smtClean="0"/>
-              <a:t>8/3/2017</a:t>
+              <a:t>8/4/2017</a:t>
             </a:fld>
             <a:endParaRPr lang="en-US"/>
           </a:p>
@@ -1619,7 +1619,7 @@
           <a:p>
             <a:fld id="{27670156-6B0C-42D9-B13D-8CA89364759E}" type="datetimeFigureOut">
               <a:rPr lang="en-US" smtClean="0"/>
-              <a:t>8/3/2017</a:t>
+              <a:t>8/4/2017</a:t>
             </a:fld>
             <a:endParaRPr lang="en-US"/>
           </a:p>
@@ -1737,7 +1737,7 @@
           <a:p>
             <a:fld id="{27670156-6B0C-42D9-B13D-8CA89364759E}" type="datetimeFigureOut">
               <a:rPr lang="en-US" smtClean="0"/>
-              <a:t>8/3/2017</a:t>
+              <a:t>8/4/2017</a:t>
             </a:fld>
             <a:endParaRPr lang="en-US"/>
           </a:p>
@@ -1832,7 +1832,7 @@
           <a:p>
             <a:fld id="{27670156-6B0C-42D9-B13D-8CA89364759E}" type="datetimeFigureOut">
               <a:rPr lang="en-US" smtClean="0"/>
-              <a:t>8/3/2017</a:t>
+              <a:t>8/4/2017</a:t>
             </a:fld>
             <a:endParaRPr lang="en-US"/>
           </a:p>
@@ -2109,7 +2109,7 @@
           <a:p>
             <a:fld id="{27670156-6B0C-42D9-B13D-8CA89364759E}" type="datetimeFigureOut">
               <a:rPr lang="en-US" smtClean="0"/>
-              <a:t>8/3/2017</a:t>
+              <a:t>8/4/2017</a:t>
             </a:fld>
             <a:endParaRPr lang="en-US"/>
           </a:p>
@@ -2362,7 +2362,7 @@
           <a:p>
             <a:fld id="{27670156-6B0C-42D9-B13D-8CA89364759E}" type="datetimeFigureOut">
               <a:rPr lang="en-US" smtClean="0"/>
-              <a:t>8/3/2017</a:t>
+              <a:t>8/4/2017</a:t>
             </a:fld>
             <a:endParaRPr lang="en-US"/>
           </a:p>
@@ -2575,7 +2575,7 @@
           <a:p>
             <a:fld id="{27670156-6B0C-42D9-B13D-8CA89364759E}" type="datetimeFigureOut">
               <a:rPr lang="en-US" smtClean="0"/>
-              <a:t>8/3/2017</a:t>
+              <a:t>8/4/2017</a:t>
             </a:fld>
             <a:endParaRPr lang="en-US"/>
           </a:p>
@@ -2982,14 +2982,14 @@
       </p:grpSpPr>
       <p:sp>
         <p:nvSpPr>
-          <p:cNvPr id="2" name="TextBox 1"/>
+          <p:cNvPr id="3" name="TextBox 2"/>
           <p:cNvSpPr txBox="1"/>
           <p:nvPr/>
         </p:nvSpPr>
         <p:spPr>
           <a:xfrm>
-            <a:off x="0" y="3"/>
-            <a:ext cx="24377650" cy="1292662"/>
+            <a:off x="0" y="0"/>
+            <a:ext cx="9886650" cy="11172253"/>
           </a:xfrm>
           <a:prstGeom prst="rect">
             <a:avLst/>
@@ -3002,51 +3002,15 @@
           </a:bodyPr>
           <a:lstStyle/>
           <a:p>
-            <a:pPr algn="ctr"/>
-            <a:r>
-              <a:rPr lang="en-US" sz="7200" dirty="0">
-                <a:solidFill>
-                  <a:srgbClr val="00B0F0"/>
-                </a:solidFill>
-                <a:latin typeface="Courier New" panose="02070309020205020404" pitchFamily="49" charset="0"/>
-                <a:cs typeface="Courier New" panose="02070309020205020404" pitchFamily="49" charset="0"/>
-              </a:rPr>
-              <a:t>&lt;GAME TITLE&gt;</a:t>
-            </a:r>
-          </a:p>
-        </p:txBody>
-      </p:sp>
-      <p:sp>
-        <p:nvSpPr>
-          <p:cNvPr id="3" name="TextBox 2"/>
-          <p:cNvSpPr txBox="1"/>
-          <p:nvPr/>
-        </p:nvSpPr>
-        <p:spPr>
-          <a:xfrm>
-            <a:off x="188375" y="1130530"/>
-            <a:ext cx="9886650" cy="9787258"/>
-          </a:xfrm>
-          <a:prstGeom prst="rect">
-            <a:avLst/>
-          </a:prstGeom>
-          <a:noFill/>
-        </p:spPr>
-        <p:txBody>
-          <a:bodyPr wrap="square" lIns="182843" tIns="91422" rIns="182843" bIns="91422" rtlCol="0">
-            <a:spAutoFit/>
-          </a:bodyPr>
-          <a:lstStyle/>
-          <a:p>
-            <a:r>
-              <a:rPr lang="en-US" sz="4800" dirty="0">
+            <a:r>
+              <a:rPr lang="en-US" sz="4200" dirty="0" smtClean="0">
                 <a:latin typeface="Courier New" panose="02070309020205020404" pitchFamily="49" charset="0"/>
                 <a:cs typeface="Courier New" panose="02070309020205020404" pitchFamily="49" charset="0"/>
               </a:rPr>
               <a:t>Press 1 to upgrade </a:t>
             </a:r>
             <a:r>
-              <a:rPr lang="en-US" sz="4800" dirty="0">
+              <a:rPr lang="en-US" sz="4200" dirty="0" smtClean="0">
                 <a:solidFill>
                   <a:srgbClr val="0070C0"/>
                 </a:solidFill>
@@ -3057,21 +3021,21 @@
             </a:r>
           </a:p>
           <a:p>
-            <a:endParaRPr lang="en-US" sz="4800" dirty="0">
+            <a:endParaRPr lang="en-US" sz="4200" dirty="0" smtClean="0">
               <a:latin typeface="Courier New" panose="02070309020205020404" pitchFamily="49" charset="0"/>
               <a:cs typeface="Courier New" panose="02070309020205020404" pitchFamily="49" charset="0"/>
             </a:endParaRPr>
           </a:p>
           <a:p>
             <a:r>
-              <a:rPr lang="en-US" sz="4800" dirty="0">
+              <a:rPr lang="en-US" sz="4200" dirty="0" smtClean="0">
                 <a:latin typeface="Courier New" panose="02070309020205020404" pitchFamily="49" charset="0"/>
                 <a:cs typeface="Courier New" panose="02070309020205020404" pitchFamily="49" charset="0"/>
               </a:rPr>
               <a:t>Press 2 to upgrade </a:t>
             </a:r>
             <a:r>
-              <a:rPr lang="en-US" sz="4800" dirty="0">
+              <a:rPr lang="en-US" sz="4200" dirty="0" smtClean="0">
                 <a:solidFill>
                   <a:srgbClr val="00B050"/>
                 </a:solidFill>
@@ -3082,21 +3046,21 @@
             </a:r>
           </a:p>
           <a:p>
-            <a:endParaRPr lang="en-US" sz="4800" dirty="0">
+            <a:endParaRPr lang="en-US" sz="4200" dirty="0" smtClean="0">
               <a:latin typeface="Courier New" panose="02070309020205020404" pitchFamily="49" charset="0"/>
               <a:cs typeface="Courier New" panose="02070309020205020404" pitchFamily="49" charset="0"/>
             </a:endParaRPr>
           </a:p>
           <a:p>
             <a:r>
-              <a:rPr lang="en-US" sz="4800" dirty="0">
+              <a:rPr lang="en-US" sz="4200" dirty="0" smtClean="0">
                 <a:latin typeface="Courier New" panose="02070309020205020404" pitchFamily="49" charset="0"/>
                 <a:cs typeface="Courier New" panose="02070309020205020404" pitchFamily="49" charset="0"/>
               </a:rPr>
               <a:t>Press 3 to upgrade </a:t>
             </a:r>
             <a:r>
-              <a:rPr lang="en-US" sz="4800" dirty="0">
+              <a:rPr lang="en-US" sz="4200" dirty="0" smtClean="0">
                 <a:solidFill>
                   <a:srgbClr val="FFFF00"/>
                 </a:solidFill>
@@ -3107,28 +3071,21 @@
             </a:r>
           </a:p>
           <a:p>
-            <a:endParaRPr lang="en-US" sz="4800" dirty="0">
+            <a:endParaRPr lang="en-US" sz="4200" dirty="0" smtClean="0">
               <a:latin typeface="Courier New" panose="02070309020205020404" pitchFamily="49" charset="0"/>
               <a:cs typeface="Courier New" panose="02070309020205020404" pitchFamily="49" charset="0"/>
             </a:endParaRPr>
           </a:p>
           <a:p>
             <a:r>
-              <a:rPr lang="en-US" sz="4800" dirty="0">
+              <a:rPr lang="en-US" sz="4200" dirty="0" smtClean="0">
                 <a:latin typeface="Courier New" panose="02070309020205020404" pitchFamily="49" charset="0"/>
                 <a:cs typeface="Courier New" panose="02070309020205020404" pitchFamily="49" charset="0"/>
               </a:rPr>
-              <a:t>Press 4 to </a:t>
-            </a:r>
-            <a:r>
-              <a:rPr lang="en-US" sz="4800" dirty="0" smtClean="0">
-                <a:latin typeface="Courier New" panose="02070309020205020404" pitchFamily="49" charset="0"/>
-                <a:cs typeface="Courier New" panose="02070309020205020404" pitchFamily="49" charset="0"/>
-              </a:rPr>
-              <a:t>buy </a:t>
-            </a:r>
-            <a:r>
-              <a:rPr lang="en-US" sz="4800" dirty="0" smtClean="0">
+              <a:t>Press 4 to buy </a:t>
+            </a:r>
+            <a:r>
+              <a:rPr lang="en-US" sz="4200" dirty="0" smtClean="0">
                 <a:solidFill>
                   <a:srgbClr val="C00000"/>
                 </a:solidFill>
@@ -3137,7 +3094,9 @@
               </a:rPr>
               <a:t>gun</a:t>
             </a:r>
-            <a:endParaRPr lang="en-US" sz="4800" dirty="0">
+          </a:p>
+          <a:p>
+            <a:endParaRPr lang="en-US" sz="4200" dirty="0" smtClean="0">
               <a:solidFill>
                 <a:srgbClr val="C00000"/>
               </a:solidFill>
@@ -3146,14 +3105,38 @@
             </a:endParaRPr>
           </a:p>
           <a:p>
-            <a:endParaRPr lang="en-US" sz="4800" dirty="0">
+            <a:r>
+              <a:rPr lang="en-US" sz="4200" dirty="0" smtClean="0">
+                <a:latin typeface="Courier New" panose="02070309020205020404" pitchFamily="49" charset="0"/>
+                <a:cs typeface="Courier New" panose="02070309020205020404" pitchFamily="49" charset="0"/>
+              </a:rPr>
+              <a:t>Collect    For 10 coins</a:t>
+            </a:r>
+          </a:p>
+          <a:p>
+            <a:endParaRPr lang="en-US" sz="4200" dirty="0" smtClean="0">
               <a:latin typeface="Courier New" panose="02070309020205020404" pitchFamily="49" charset="0"/>
               <a:cs typeface="Courier New" panose="02070309020205020404" pitchFamily="49" charset="0"/>
             </a:endParaRPr>
           </a:p>
           <a:p>
             <a:r>
-              <a:rPr lang="en-US" sz="4800" dirty="0">
+              <a:rPr lang="en-US" sz="4200" dirty="0" smtClean="0">
+                <a:latin typeface="Courier New" panose="02070309020205020404" pitchFamily="49" charset="0"/>
+                <a:cs typeface="Courier New" panose="02070309020205020404" pitchFamily="49" charset="0"/>
+              </a:rPr>
+              <a:t>Don’t touch the void</a:t>
+            </a:r>
+          </a:p>
+          <a:p>
+            <a:endParaRPr lang="en-US" sz="4200" dirty="0" smtClean="0">
+              <a:latin typeface="Courier New" panose="02070309020205020404" pitchFamily="49" charset="0"/>
+              <a:cs typeface="Courier New" panose="02070309020205020404" pitchFamily="49" charset="0"/>
+            </a:endParaRPr>
+          </a:p>
+          <a:p>
+            <a:r>
+              <a:rPr lang="en-US" sz="4200" dirty="0" smtClean="0">
                 <a:latin typeface="Courier New" panose="02070309020205020404" pitchFamily="49" charset="0"/>
                 <a:cs typeface="Courier New" panose="02070309020205020404" pitchFamily="49" charset="0"/>
               </a:rPr>
@@ -3161,14 +3144,14 @@
             </a:r>
           </a:p>
           <a:p>
-            <a:endParaRPr lang="en-US" sz="4800" dirty="0">
+            <a:endParaRPr lang="en-US" sz="4200" dirty="0" smtClean="0">
               <a:latin typeface="Courier New" panose="02070309020205020404" pitchFamily="49" charset="0"/>
               <a:cs typeface="Courier New" panose="02070309020205020404" pitchFamily="49" charset="0"/>
             </a:endParaRPr>
           </a:p>
           <a:p>
             <a:r>
-              <a:rPr lang="en-US" sz="4800" dirty="0">
+              <a:rPr lang="en-US" sz="4200" dirty="0" smtClean="0">
                 <a:latin typeface="Courier New" panose="02070309020205020404" pitchFamily="49" charset="0"/>
                 <a:cs typeface="Courier New" panose="02070309020205020404" pitchFamily="49" charset="0"/>
               </a:rPr>
@@ -3176,19 +3159,23 @@
             </a:r>
           </a:p>
           <a:p>
-            <a:endParaRPr lang="en-US" sz="4800" dirty="0">
+            <a:endParaRPr lang="en-US" sz="4200" dirty="0" smtClean="0">
               <a:latin typeface="Courier New" panose="02070309020205020404" pitchFamily="49" charset="0"/>
               <a:cs typeface="Courier New" panose="02070309020205020404" pitchFamily="49" charset="0"/>
             </a:endParaRPr>
           </a:p>
           <a:p>
             <a:r>
-              <a:rPr lang="en-US" sz="4800" dirty="0">
+              <a:rPr lang="en-US" sz="4200" dirty="0" smtClean="0">
                 <a:latin typeface="Courier New" panose="02070309020205020404" pitchFamily="49" charset="0"/>
                 <a:cs typeface="Courier New" panose="02070309020205020404" pitchFamily="49" charset="0"/>
               </a:rPr>
               <a:t>Upgrades require coins</a:t>
             </a:r>
+            <a:endParaRPr lang="en-US" sz="4200" dirty="0">
+              <a:latin typeface="Courier New" panose="02070309020205020404" pitchFamily="49" charset="0"/>
+              <a:cs typeface="Courier New" panose="02070309020205020404" pitchFamily="49" charset="0"/>
+            </a:endParaRPr>
           </a:p>
         </p:txBody>
       </p:sp>
